--- a/lectures/Lecture_02_MLE.pptx
+++ b/lectures/Lecture_02_MLE.pptx
@@ -152,7 +152,7 @@
   </p:defaultTextStyle>
   <p:extLst>
     <p:ext uri="{EFAFB233-063F-42B5-8137-9DF3F51BA10A}">
-      <p15:sldGuideLst xmlns:p15="http://schemas.microsoft.com/office/powerpoint/2012/main"/>
+      <p15:sldGuideLst xmlns:p15="http://schemas.microsoft.com/office/powerpoint/2012/main" xmlns=""/>
     </p:ext>
   </p:extLst>
 </p:presentation>
@@ -240,7 +240,7 @@
           <a:p>
             <a:fld id="{35F17B84-6269-4CEA-BC96-411381D51FC6}" type="datetimeFigureOut">
               <a:rPr lang="en-US" smtClean="0"/>
-              <a:t>9/7/2015</a:t>
+              <a:t>9/8/15</a:t>
             </a:fld>
             <a:endParaRPr lang="en-US"/>
           </a:p>
@@ -713,14 +713,14 @@
           <a:noFill/>
           <a:ln/>
           <a:extLst>
-            <a:ext uri="{909E8E84-426E-40DD-AFC4-6F175D3DCCD1}">
+            <a:ext uri="{909E8E84-426E-40dd-AFC4-6F175D3DCCD1}">
               <a14:hiddenFill xmlns:a14="http://schemas.microsoft.com/office/drawing/2010/main">
                 <a:solidFill>
                   <a:srgbClr val="FFFFFF"/>
                 </a:solidFill>
               </a14:hiddenFill>
             </a:ext>
-            <a:ext uri="{91240B29-F687-4F45-9708-019B960494DF}">
+            <a:ext uri="{91240B29-F687-4f45-9708-019B960494DF}">
               <a14:hiddenLine xmlns:a14="http://schemas.microsoft.com/office/drawing/2010/main" w="9525">
                 <a:solidFill>
                   <a:srgbClr val="000000"/>
@@ -870,7 +870,7 @@
         <p:nvSpPr>
           <p:cNvPr id="79875" name="Rectangle 2"/>
           <p:cNvSpPr>
-            <a:spLocks noRot="1" noChangeArrowheads="1" noTextEdit="1"/>
+            <a:spLocks noGrp="1" noRot="1" noChangeAspect="1" noChangeArrowheads="1" noTextEdit="1"/>
           </p:cNvSpPr>
           <p:nvPr>
             <p:ph type="sldImg"/>
@@ -894,14 +894,14 @@
           <a:noFill/>
           <a:ln/>
           <a:extLst>
-            <a:ext uri="{909E8E84-426E-40DD-AFC4-6F175D3DCCD1}">
+            <a:ext uri="{909E8E84-426E-40dd-AFC4-6F175D3DCCD1}">
               <a14:hiddenFill xmlns:a14="http://schemas.microsoft.com/office/drawing/2010/main">
                 <a:solidFill>
                   <a:srgbClr val="FFFFFF"/>
                 </a:solidFill>
               </a14:hiddenFill>
             </a:ext>
-            <a:ext uri="{91240B29-F687-4F45-9708-019B960494DF}">
+            <a:ext uri="{91240B29-F687-4f45-9708-019B960494DF}">
               <a14:hiddenLine xmlns:a14="http://schemas.microsoft.com/office/drawing/2010/main" w="9525">
                 <a:solidFill>
                   <a:srgbClr val="000000"/>
@@ -968,14 +968,14 @@
           <a:noFill/>
           <a:ln/>
           <a:extLst>
-            <a:ext uri="{909E8E84-426E-40DD-AFC4-6F175D3DCCD1}">
+            <a:ext uri="{909E8E84-426E-40dd-AFC4-6F175D3DCCD1}">
               <a14:hiddenFill xmlns:a14="http://schemas.microsoft.com/office/drawing/2010/main">
                 <a:solidFill>
                   <a:srgbClr val="FFFFFF"/>
                 </a:solidFill>
               </a14:hiddenFill>
             </a:ext>
-            <a:ext uri="{91240B29-F687-4F45-9708-019B960494DF}">
+            <a:ext uri="{91240B29-F687-4f45-9708-019B960494DF}">
               <a14:hiddenLine xmlns:a14="http://schemas.microsoft.com/office/drawing/2010/main" w="9525">
                 <a:solidFill>
                   <a:srgbClr val="000000"/>
@@ -1125,7 +1125,7 @@
         <p:nvSpPr>
           <p:cNvPr id="80899" name="Rectangle 2"/>
           <p:cNvSpPr>
-            <a:spLocks noRot="1" noChangeArrowheads="1" noTextEdit="1"/>
+            <a:spLocks noGrp="1" noRot="1" noChangeAspect="1" noChangeArrowheads="1" noTextEdit="1"/>
           </p:cNvSpPr>
           <p:nvPr>
             <p:ph type="sldImg"/>
@@ -1149,14 +1149,14 @@
           <a:noFill/>
           <a:ln/>
           <a:extLst>
-            <a:ext uri="{909E8E84-426E-40DD-AFC4-6F175D3DCCD1}">
+            <a:ext uri="{909E8E84-426E-40dd-AFC4-6F175D3DCCD1}">
               <a14:hiddenFill xmlns:a14="http://schemas.microsoft.com/office/drawing/2010/main">
                 <a:solidFill>
                   <a:srgbClr val="FFFFFF"/>
                 </a:solidFill>
               </a14:hiddenFill>
             </a:ext>
-            <a:ext uri="{91240B29-F687-4F45-9708-019B960494DF}">
+            <a:ext uri="{91240B29-F687-4f45-9708-019B960494DF}">
               <a14:hiddenLine xmlns:a14="http://schemas.microsoft.com/office/drawing/2010/main" w="9525">
                 <a:solidFill>
                   <a:srgbClr val="000000"/>
@@ -1223,14 +1223,14 @@
           <a:noFill/>
           <a:ln/>
           <a:extLst>
-            <a:ext uri="{909E8E84-426E-40DD-AFC4-6F175D3DCCD1}">
+            <a:ext uri="{909E8E84-426E-40dd-AFC4-6F175D3DCCD1}">
               <a14:hiddenFill xmlns:a14="http://schemas.microsoft.com/office/drawing/2010/main">
                 <a:solidFill>
                   <a:srgbClr val="FFFFFF"/>
                 </a:solidFill>
               </a14:hiddenFill>
             </a:ext>
-            <a:ext uri="{91240B29-F687-4F45-9708-019B960494DF}">
+            <a:ext uri="{91240B29-F687-4f45-9708-019B960494DF}">
               <a14:hiddenLine xmlns:a14="http://schemas.microsoft.com/office/drawing/2010/main" w="9525">
                 <a:solidFill>
                   <a:srgbClr val="000000"/>
@@ -1404,14 +1404,14 @@
           <a:noFill/>
           <a:ln/>
           <a:extLst>
-            <a:ext uri="{909E8E84-426E-40DD-AFC4-6F175D3DCCD1}">
+            <a:ext uri="{909E8E84-426E-40dd-AFC4-6F175D3DCCD1}">
               <a14:hiddenFill xmlns:a14="http://schemas.microsoft.com/office/drawing/2010/main">
                 <a:solidFill>
                   <a:srgbClr val="FFFFFF"/>
                 </a:solidFill>
               </a14:hiddenFill>
             </a:ext>
-            <a:ext uri="{91240B29-F687-4F45-9708-019B960494DF}">
+            <a:ext uri="{91240B29-F687-4f45-9708-019B960494DF}">
               <a14:hiddenLine xmlns:a14="http://schemas.microsoft.com/office/drawing/2010/main" w="9525">
                 <a:solidFill>
                   <a:srgbClr val="000000"/>
@@ -1478,14 +1478,14 @@
           <a:noFill/>
           <a:ln/>
           <a:extLst>
-            <a:ext uri="{909E8E84-426E-40DD-AFC4-6F175D3DCCD1}">
+            <a:ext uri="{909E8E84-426E-40dd-AFC4-6F175D3DCCD1}">
               <a14:hiddenFill xmlns:a14="http://schemas.microsoft.com/office/drawing/2010/main">
                 <a:solidFill>
                   <a:srgbClr val="FFFFFF"/>
                 </a:solidFill>
               </a14:hiddenFill>
             </a:ext>
-            <a:ext uri="{91240B29-F687-4F45-9708-019B960494DF}">
+            <a:ext uri="{91240B29-F687-4f45-9708-019B960494DF}">
               <a14:hiddenLine xmlns:a14="http://schemas.microsoft.com/office/drawing/2010/main" w="9525">
                 <a:solidFill>
                   <a:srgbClr val="000000"/>
@@ -1636,14 +1636,14 @@
           <a:noFill/>
           <a:ln/>
           <a:extLst>
-            <a:ext uri="{909E8E84-426E-40DD-AFC4-6F175D3DCCD1}">
+            <a:ext uri="{909E8E84-426E-40dd-AFC4-6F175D3DCCD1}">
               <a14:hiddenFill xmlns:a14="http://schemas.microsoft.com/office/drawing/2010/main">
                 <a:solidFill>
                   <a:srgbClr val="FFFFFF"/>
                 </a:solidFill>
               </a14:hiddenFill>
             </a:ext>
-            <a:ext uri="{91240B29-F687-4F45-9708-019B960494DF}">
+            <a:ext uri="{91240B29-F687-4f45-9708-019B960494DF}">
               <a14:hiddenLine xmlns:a14="http://schemas.microsoft.com/office/drawing/2010/main" w="9525">
                 <a:solidFill>
                   <a:srgbClr val="000000"/>
@@ -1710,14 +1710,14 @@
           <a:noFill/>
           <a:ln/>
           <a:extLst>
-            <a:ext uri="{909E8E84-426E-40DD-AFC4-6F175D3DCCD1}">
+            <a:ext uri="{909E8E84-426E-40dd-AFC4-6F175D3DCCD1}">
               <a14:hiddenFill xmlns:a14="http://schemas.microsoft.com/office/drawing/2010/main">
                 <a:solidFill>
                   <a:srgbClr val="FFFFFF"/>
                 </a:solidFill>
               </a14:hiddenFill>
             </a:ext>
-            <a:ext uri="{91240B29-F687-4F45-9708-019B960494DF}">
+            <a:ext uri="{91240B29-F687-4f45-9708-019B960494DF}">
               <a14:hiddenLine xmlns:a14="http://schemas.microsoft.com/office/drawing/2010/main" w="9525">
                 <a:solidFill>
                   <a:srgbClr val="000000"/>
@@ -1868,14 +1868,14 @@
           <a:noFill/>
           <a:ln/>
           <a:extLst>
-            <a:ext uri="{909E8E84-426E-40DD-AFC4-6F175D3DCCD1}">
+            <a:ext uri="{909E8E84-426E-40dd-AFC4-6F175D3DCCD1}">
               <a14:hiddenFill xmlns:a14="http://schemas.microsoft.com/office/drawing/2010/main">
                 <a:solidFill>
                   <a:srgbClr val="FFFFFF"/>
                 </a:solidFill>
               </a14:hiddenFill>
             </a:ext>
-            <a:ext uri="{91240B29-F687-4F45-9708-019B960494DF}">
+            <a:ext uri="{91240B29-F687-4f45-9708-019B960494DF}">
               <a14:hiddenLine xmlns:a14="http://schemas.microsoft.com/office/drawing/2010/main" w="9525">
                 <a:solidFill>
                   <a:srgbClr val="000000"/>
@@ -1942,14 +1942,14 @@
           <a:noFill/>
           <a:ln/>
           <a:extLst>
-            <a:ext uri="{909E8E84-426E-40DD-AFC4-6F175D3DCCD1}">
+            <a:ext uri="{909E8E84-426E-40dd-AFC4-6F175D3DCCD1}">
               <a14:hiddenFill xmlns:a14="http://schemas.microsoft.com/office/drawing/2010/main">
                 <a:solidFill>
                   <a:srgbClr val="FFFFFF"/>
                 </a:solidFill>
               </a14:hiddenFill>
             </a:ext>
-            <a:ext uri="{91240B29-F687-4F45-9708-019B960494DF}">
+            <a:ext uri="{91240B29-F687-4f45-9708-019B960494DF}">
               <a14:hiddenLine xmlns:a14="http://schemas.microsoft.com/office/drawing/2010/main" w="9525">
                 <a:solidFill>
                   <a:srgbClr val="000000"/>
@@ -2100,14 +2100,14 @@
           <a:noFill/>
           <a:ln/>
           <a:extLst>
-            <a:ext uri="{909E8E84-426E-40DD-AFC4-6F175D3DCCD1}">
+            <a:ext uri="{909E8E84-426E-40dd-AFC4-6F175D3DCCD1}">
               <a14:hiddenFill xmlns:a14="http://schemas.microsoft.com/office/drawing/2010/main">
                 <a:solidFill>
                   <a:srgbClr val="FFFFFF"/>
                 </a:solidFill>
               </a14:hiddenFill>
             </a:ext>
-            <a:ext uri="{91240B29-F687-4F45-9708-019B960494DF}">
+            <a:ext uri="{91240B29-F687-4f45-9708-019B960494DF}">
               <a14:hiddenLine xmlns:a14="http://schemas.microsoft.com/office/drawing/2010/main" w="9525">
                 <a:solidFill>
                   <a:srgbClr val="000000"/>
@@ -2174,14 +2174,14 @@
           <a:noFill/>
           <a:ln/>
           <a:extLst>
-            <a:ext uri="{909E8E84-426E-40DD-AFC4-6F175D3DCCD1}">
+            <a:ext uri="{909E8E84-426E-40dd-AFC4-6F175D3DCCD1}">
               <a14:hiddenFill xmlns:a14="http://schemas.microsoft.com/office/drawing/2010/main">
                 <a:solidFill>
                   <a:srgbClr val="FFFFFF"/>
                 </a:solidFill>
               </a14:hiddenFill>
             </a:ext>
-            <a:ext uri="{91240B29-F687-4F45-9708-019B960494DF}">
+            <a:ext uri="{91240B29-F687-4f45-9708-019B960494DF}">
               <a14:hiddenLine xmlns:a14="http://schemas.microsoft.com/office/drawing/2010/main" w="9525">
                 <a:solidFill>
                   <a:srgbClr val="000000"/>
@@ -2332,14 +2332,14 @@
           <a:noFill/>
           <a:ln/>
           <a:extLst>
-            <a:ext uri="{909E8E84-426E-40DD-AFC4-6F175D3DCCD1}">
+            <a:ext uri="{909E8E84-426E-40dd-AFC4-6F175D3DCCD1}">
               <a14:hiddenFill xmlns:a14="http://schemas.microsoft.com/office/drawing/2010/main">
                 <a:solidFill>
                   <a:srgbClr val="FFFFFF"/>
                 </a:solidFill>
               </a14:hiddenFill>
             </a:ext>
-            <a:ext uri="{91240B29-F687-4F45-9708-019B960494DF}">
+            <a:ext uri="{91240B29-F687-4f45-9708-019B960494DF}">
               <a14:hiddenLine xmlns:a14="http://schemas.microsoft.com/office/drawing/2010/main" w="9525">
                 <a:solidFill>
                   <a:srgbClr val="000000"/>
@@ -2595,7 +2595,7 @@
           <a:p>
             <a:fld id="{DD81C876-33E8-4C7A-84E0-A8646BE07B44}" type="datetimeFigureOut">
               <a:rPr lang="en-US" smtClean="0"/>
-              <a:t>9/7/2015</a:t>
+              <a:t>9/8/15</a:t>
             </a:fld>
             <a:endParaRPr lang="en-US"/>
           </a:p>
@@ -2765,7 +2765,7 @@
           <a:p>
             <a:fld id="{DD81C876-33E8-4C7A-84E0-A8646BE07B44}" type="datetimeFigureOut">
               <a:rPr lang="en-US" smtClean="0"/>
-              <a:t>9/7/2015</a:t>
+              <a:t>9/8/15</a:t>
             </a:fld>
             <a:endParaRPr lang="en-US"/>
           </a:p>
@@ -2945,7 +2945,7 @@
           <a:p>
             <a:fld id="{DD81C876-33E8-4C7A-84E0-A8646BE07B44}" type="datetimeFigureOut">
               <a:rPr lang="en-US" smtClean="0"/>
-              <a:t>9/7/2015</a:t>
+              <a:t>9/8/15</a:t>
             </a:fld>
             <a:endParaRPr lang="en-US"/>
           </a:p>
@@ -3389,7 +3389,7 @@
           <a:p>
             <a:fld id="{DD81C876-33E8-4C7A-84E0-A8646BE07B44}" type="datetimeFigureOut">
               <a:rPr lang="en-US" smtClean="0"/>
-              <a:t>9/7/2015</a:t>
+              <a:t>9/8/15</a:t>
             </a:fld>
             <a:endParaRPr lang="en-US"/>
           </a:p>
@@ -3450,7 +3450,7 @@
   <p:timing>
     <p:tnLst>
       <p:par>
-        <p:cTn id="1" dur="indefinite" restart="never" nodeType="tmRoot"/>
+        <p:cTn xmlns:p14="http://schemas.microsoft.com/office/powerpoint/2010/main" id="1" dur="indefinite" restart="never" nodeType="tmRoot"/>
       </p:par>
     </p:tnLst>
   </p:timing>
@@ -3642,7 +3642,7 @@
           <a:p>
             <a:fld id="{DD81C876-33E8-4C7A-84E0-A8646BE07B44}" type="datetimeFigureOut">
               <a:rPr lang="en-US" smtClean="0"/>
-              <a:t>9/7/2015</a:t>
+              <a:t>9/8/15</a:t>
             </a:fld>
             <a:endParaRPr lang="en-US"/>
           </a:p>
@@ -3874,7 +3874,7 @@
           <a:p>
             <a:fld id="{DD81C876-33E8-4C7A-84E0-A8646BE07B44}" type="datetimeFigureOut">
               <a:rPr lang="en-US" smtClean="0"/>
-              <a:t>9/7/2015</a:t>
+              <a:t>9/8/15</a:t>
             </a:fld>
             <a:endParaRPr lang="en-US"/>
           </a:p>
@@ -4241,7 +4241,7 @@
           <a:p>
             <a:fld id="{DD81C876-33E8-4C7A-84E0-A8646BE07B44}" type="datetimeFigureOut">
               <a:rPr lang="en-US" smtClean="0"/>
-              <a:t>9/7/2015</a:t>
+              <a:t>9/8/15</a:t>
             </a:fld>
             <a:endParaRPr lang="en-US"/>
           </a:p>
@@ -4364,7 +4364,7 @@
           <a:p>
             <a:fld id="{DD81C876-33E8-4C7A-84E0-A8646BE07B44}" type="datetimeFigureOut">
               <a:rPr lang="en-US" smtClean="0"/>
-              <a:t>9/7/2015</a:t>
+              <a:t>9/8/15</a:t>
             </a:fld>
             <a:endParaRPr lang="en-US"/>
           </a:p>
@@ -4425,7 +4425,7 @@
   <p:timing>
     <p:tnLst>
       <p:par>
-        <p:cTn id="1" dur="indefinite" restart="never" nodeType="tmRoot"/>
+        <p:cTn xmlns:p14="http://schemas.microsoft.com/office/powerpoint/2010/main" id="1" dur="indefinite" restart="never" nodeType="tmRoot"/>
       </p:par>
     </p:tnLst>
   </p:timing>
@@ -4466,7 +4466,7 @@
           <a:p>
             <a:fld id="{DD81C876-33E8-4C7A-84E0-A8646BE07B44}" type="datetimeFigureOut">
               <a:rPr lang="en-US" smtClean="0"/>
-              <a:t>9/7/2015</a:t>
+              <a:t>9/8/15</a:t>
             </a:fld>
             <a:endParaRPr lang="en-US"/>
           </a:p>
@@ -4743,7 +4743,7 @@
           <a:p>
             <a:fld id="{DD81C876-33E8-4C7A-84E0-A8646BE07B44}" type="datetimeFigureOut">
               <a:rPr lang="en-US" smtClean="0"/>
-              <a:t>9/7/2015</a:t>
+              <a:t>9/8/15</a:t>
             </a:fld>
             <a:endParaRPr lang="en-US"/>
           </a:p>
@@ -4996,7 +4996,7 @@
           <a:p>
             <a:fld id="{DD81C876-33E8-4C7A-84E0-A8646BE07B44}" type="datetimeFigureOut">
               <a:rPr lang="en-US" smtClean="0"/>
-              <a:t>9/7/2015</a:t>
+              <a:t>9/8/15</a:t>
             </a:fld>
             <a:endParaRPr lang="en-US"/>
           </a:p>
@@ -5209,7 +5209,7 @@
           <a:p>
             <a:fld id="{DD81C876-33E8-4C7A-84E0-A8646BE07B44}" type="datetimeFigureOut">
               <a:rPr lang="en-US" smtClean="0"/>
-              <a:t>9/7/2015</a:t>
+              <a:t>9/8/15</a:t>
             </a:fld>
             <a:endParaRPr lang="en-US"/>
           </a:p>
@@ -5667,11 +5667,7 @@
             </a:r>
             <a:r>
               <a:rPr lang="en-US" sz="2500" dirty="0" smtClean="0"/>
-              <a:t>Tony </a:t>
-            </a:r>
-            <a:r>
-              <a:rPr lang="en-US" sz="2500" dirty="0" smtClean="0"/>
-              <a:t>Wood, </a:t>
+              <a:t>Tony Wood, </a:t>
             </a:r>
             <a:r>
               <a:rPr lang="en-US" sz="2500" dirty="0" err="1" smtClean="0"/>
@@ -5822,7 +5818,7 @@
   <p:timing>
     <p:tnLst>
       <p:par>
-        <p:cTn id="1" dur="indefinite" restart="never" nodeType="tmRoot"/>
+        <p:cTn xmlns:p14="http://schemas.microsoft.com/office/powerpoint/2010/main" id="1" dur="indefinite" restart="never" nodeType="tmRoot"/>
       </p:par>
     </p:tnLst>
   </p:timing>
@@ -5880,14 +5876,14 @@
             <a:noFill/>
           </a:ln>
           <a:extLst>
-            <a:ext uri="{909E8E84-426E-40DD-AFC4-6F175D3DCCD1}">
+            <a:ext uri="{909E8E84-426E-40dd-AFC4-6F175D3DCCD1}">
               <a14:hiddenFill xmlns:a14="http://schemas.microsoft.com/office/drawing/2010/main">
                 <a:solidFill>
                   <a:srgbClr val="FFFFFF"/>
                 </a:solidFill>
               </a14:hiddenFill>
             </a:ext>
-            <a:ext uri="{91240B29-F687-4F45-9708-019B960494DF}">
+            <a:ext uri="{91240B29-F687-4f45-9708-019B960494DF}">
               <a14:hiddenLine xmlns:a14="http://schemas.microsoft.com/office/drawing/2010/main" w="9525">
                 <a:solidFill>
                   <a:srgbClr val="000000"/>
@@ -5962,14 +5958,14 @@
             <a:noFill/>
           </a:ln>
           <a:extLst>
-            <a:ext uri="{909E8E84-426E-40DD-AFC4-6F175D3DCCD1}">
+            <a:ext uri="{909E8E84-426E-40dd-AFC4-6F175D3DCCD1}">
               <a14:hiddenFill xmlns:a14="http://schemas.microsoft.com/office/drawing/2010/main">
                 <a:solidFill>
                   <a:srgbClr val="FFFFFF"/>
                 </a:solidFill>
               </a14:hiddenFill>
             </a:ext>
-            <a:ext uri="{91240B29-F687-4F45-9708-019B960494DF}">
+            <a:ext uri="{91240B29-F687-4f45-9708-019B960494DF}">
               <a14:hiddenLine xmlns:a14="http://schemas.microsoft.com/office/drawing/2010/main" w="9525">
                 <a:solidFill>
                   <a:srgbClr val="000000"/>
@@ -5995,7 +5991,7 @@
   <p:timing>
     <p:tnLst>
       <p:par>
-        <p:cTn id="1" dur="indefinite" restart="never" nodeType="tmRoot">
+        <p:cTn xmlns:p14="http://schemas.microsoft.com/office/powerpoint/2010/main" id="1" dur="indefinite" restart="never" nodeType="tmRoot">
           <p:childTnLst>
             <p:seq concurrent="1" nextAc="seek">
               <p:cTn id="2" dur="indefinite" nodeType="mainSeq">
@@ -6246,7 +6242,7 @@
   <p:timing>
     <p:tnLst>
       <p:par>
-        <p:cTn id="1" dur="indefinite" restart="never" nodeType="tmRoot"/>
+        <p:cTn xmlns:p14="http://schemas.microsoft.com/office/powerpoint/2010/main" id="1" dur="indefinite" restart="never" nodeType="tmRoot"/>
       </p:par>
     </p:tnLst>
   </p:timing>
@@ -6414,7 +6410,7 @@
   <p:timing>
     <p:tnLst>
       <p:par>
-        <p:cTn id="1" dur="indefinite" restart="never" nodeType="tmRoot"/>
+        <p:cTn xmlns:p14="http://schemas.microsoft.com/office/powerpoint/2010/main" id="1" dur="indefinite" restart="never" nodeType="tmRoot"/>
       </p:par>
     </p:tnLst>
   </p:timing>
@@ -6552,7 +6548,7 @@
   <p:timing>
     <p:tnLst>
       <p:par>
-        <p:cTn id="1" dur="indefinite" restart="never" nodeType="tmRoot"/>
+        <p:cTn xmlns:p14="http://schemas.microsoft.com/office/powerpoint/2010/main" id="1" dur="indefinite" restart="never" nodeType="tmRoot"/>
       </p:par>
     </p:tnLst>
   </p:timing>
@@ -6684,7 +6680,7 @@
   <p:timing>
     <p:tnLst>
       <p:par>
-        <p:cTn id="1" dur="indefinite" restart="never" nodeType="tmRoot"/>
+        <p:cTn xmlns:p14="http://schemas.microsoft.com/office/powerpoint/2010/main" id="1" dur="indefinite" restart="never" nodeType="tmRoot"/>
       </p:par>
     </p:tnLst>
   </p:timing>
@@ -6765,14 +6761,14 @@
             <a:noFill/>
           </a:ln>
           <a:extLst>
-            <a:ext uri="{909E8E84-426E-40DD-AFC4-6F175D3DCCD1}">
+            <a:ext uri="{909E8E84-426E-40dd-AFC4-6F175D3DCCD1}">
               <a14:hiddenFill xmlns:a14="http://schemas.microsoft.com/office/drawing/2010/main">
                 <a:solidFill>
                   <a:srgbClr val="FFFFFF"/>
                 </a:solidFill>
               </a14:hiddenFill>
             </a:ext>
-            <a:ext uri="{91240B29-F687-4F45-9708-019B960494DF}">
+            <a:ext uri="{91240B29-F687-4f45-9708-019B960494DF}">
               <a14:hiddenLine xmlns:a14="http://schemas.microsoft.com/office/drawing/2010/main" w="9525">
                 <a:solidFill>
                   <a:srgbClr val="000000"/>
@@ -6798,7 +6794,7 @@
   <p:timing>
     <p:tnLst>
       <p:par>
-        <p:cTn id="1" dur="indefinite" restart="never" nodeType="tmRoot"/>
+        <p:cTn xmlns:p14="http://schemas.microsoft.com/office/powerpoint/2010/main" id="1" dur="indefinite" restart="never" nodeType="tmRoot"/>
       </p:par>
     </p:tnLst>
   </p:timing>
@@ -6873,14 +6869,14 @@
             </a:ln>
             <a:effectLst/>
             <a:extLst>
-              <a:ext uri="{909E8E84-426E-40DD-AFC4-6F175D3DCCD1}">
+              <a:ext uri="{909E8E84-426E-40dd-AFC4-6F175D3DCCD1}">
                 <a14:hiddenFill xmlns:a14="http://schemas.microsoft.com/office/drawing/2010/main">
                   <a:solidFill>
                     <a:schemeClr val="accent1"/>
                   </a:solidFill>
                 </a14:hiddenFill>
               </a:ext>
-              <a:ext uri="{91240B29-F687-4F45-9708-019B960494DF}">
+              <a:ext uri="{91240B29-F687-4f45-9708-019B960494DF}">
                 <a14:hiddenLine xmlns:a14="http://schemas.microsoft.com/office/drawing/2010/main" w="9525">
                   <a:solidFill>
                     <a:schemeClr val="tx1"/>
@@ -6890,7 +6886,7 @@
                   <a:tailEnd/>
                 </a14:hiddenLine>
               </a:ext>
-              <a:ext uri="{AF507438-7753-43E0-B8FC-AC1667EBCBE1}">
+              <a:ext uri="{AF507438-7753-43e0-B8FC-AC1667EBCBE1}">
                 <a14:hiddenEffects xmlns:a14="http://schemas.microsoft.com/office/drawing/2010/main">
                   <a:effectLst>
                     <a:outerShdw dist="35921" dir="2700000" algn="ctr" rotWithShape="0">
@@ -6928,7 +6924,7 @@
             </a:ln>
             <a:effectLst/>
             <a:extLst>
-              <a:ext uri="{91240B29-F687-4F45-9708-019B960494DF}">
+              <a:ext uri="{91240B29-F687-4f45-9708-019B960494DF}">
                 <a14:hiddenLine xmlns:a14="http://schemas.microsoft.com/office/drawing/2010/main" w="9525">
                   <a:solidFill>
                     <a:schemeClr val="tx1"/>
@@ -6938,7 +6934,7 @@
                   <a:tailEnd/>
                 </a14:hiddenLine>
               </a:ext>
-              <a:ext uri="{AF507438-7753-43E0-B8FC-AC1667EBCBE1}">
+              <a:ext uri="{AF507438-7753-43e0-B8FC-AC1667EBCBE1}">
                 <a14:hiddenEffects xmlns:a14="http://schemas.microsoft.com/office/drawing/2010/main">
                   <a:effectLst>
                     <a:outerShdw dist="35921" dir="2700000" algn="ctr" rotWithShape="0">
@@ -6993,12 +6989,12 @@
             </a:ln>
             <a:effectLst/>
             <a:extLst>
-              <a:ext uri="{909E8E84-426E-40DD-AFC4-6F175D3DCCD1}">
+              <a:ext uri="{909E8E84-426E-40dd-AFC4-6F175D3DCCD1}">
                 <a14:hiddenFill xmlns:a14="http://schemas.microsoft.com/office/drawing/2010/main">
                   <a:noFill/>
                 </a14:hiddenFill>
               </a:ext>
-              <a:ext uri="{AF507438-7753-43E0-B8FC-AC1667EBCBE1}">
+              <a:ext uri="{AF507438-7753-43e0-B8FC-AC1667EBCBE1}">
                 <a14:hiddenEffects xmlns:a14="http://schemas.microsoft.com/office/drawing/2010/main">
                   <a:effectLst>
                     <a:outerShdw dist="35921" dir="2700000" algn="ctr" rotWithShape="0">
@@ -7198,7 +7194,7 @@
             <a:tailEnd/>
           </a:ln>
           <a:extLst>
-            <a:ext uri="{909E8E84-426E-40DD-AFC4-6F175D3DCCD1}">
+            <a:ext uri="{909E8E84-426E-40dd-AFC4-6F175D3DCCD1}">
               <a14:hiddenFill xmlns:a14="http://schemas.microsoft.com/office/drawing/2010/main">
                 <a:solidFill>
                   <a:srgbClr val="FFFFFF"/>
@@ -7221,7 +7217,7 @@
   <p:timing>
     <p:tnLst>
       <p:par>
-        <p:cTn id="1" dur="indefinite" restart="never" nodeType="tmRoot"/>
+        <p:cTn xmlns:p14="http://schemas.microsoft.com/office/powerpoint/2010/main" id="1" dur="indefinite" restart="never" nodeType="tmRoot"/>
       </p:par>
     </p:tnLst>
   </p:timing>
@@ -7454,7 +7450,7 @@
             <a:tailEnd/>
           </a:ln>
           <a:extLst>
-            <a:ext uri="{909E8E84-426E-40DD-AFC4-6F175D3DCCD1}">
+            <a:ext uri="{909E8E84-426E-40dd-AFC4-6F175D3DCCD1}">
               <a14:hiddenFill xmlns:a14="http://schemas.microsoft.com/office/drawing/2010/main">
                 <a:solidFill>
                   <a:srgbClr val="FFFFFF"/>
@@ -7477,7 +7473,7 @@
   <p:timing>
     <p:tnLst>
       <p:par>
-        <p:cTn id="1" dur="indefinite" restart="never" nodeType="tmRoot"/>
+        <p:cTn xmlns:p14="http://schemas.microsoft.com/office/powerpoint/2010/main" id="1" dur="indefinite" restart="never" nodeType="tmRoot"/>
       </p:par>
     </p:tnLst>
   </p:timing>
@@ -7617,7 +7613,7 @@
           <a:graphicData uri="http://schemas.openxmlformats.org/presentationml/2006/ole">
             <mc:AlternateContent xmlns:mc="http://schemas.openxmlformats.org/markup-compatibility/2006">
               <mc:Choice xmlns:v="urn:schemas-microsoft-com:vml" Requires="v">
-                <p:oleObj spid="_x0000_s27657" name="Equation" r:id="rId3" imgW="2476440" imgH="2019240" progId="Equation.3">
+                <p:oleObj spid="_x0000_s27659" name="Equation" r:id="rId3" imgW="2476440" imgH="2019240" progId="Equation.3">
                   <p:embed/>
                 </p:oleObj>
               </mc:Choice>
@@ -7701,14 +7697,14 @@
           </a:ln>
           <a:effectLst/>
           <a:extLst>
-            <a:ext uri="{909E8E84-426E-40DD-AFC4-6F175D3DCCD1}">
+            <a:ext uri="{909E8E84-426E-40dd-AFC4-6F175D3DCCD1}">
               <a14:hiddenFill xmlns:a14="http://schemas.microsoft.com/office/drawing/2010/main">
                 <a:solidFill>
                   <a:schemeClr val="accent1"/>
                 </a:solidFill>
               </a14:hiddenFill>
             </a:ext>
-            <a:ext uri="{91240B29-F687-4F45-9708-019B960494DF}">
+            <a:ext uri="{91240B29-F687-4f45-9708-019B960494DF}">
               <a14:hiddenLine xmlns:a14="http://schemas.microsoft.com/office/drawing/2010/main" w="9525">
                 <a:solidFill>
                   <a:schemeClr val="tx1"/>
@@ -7718,7 +7714,7 @@
                 <a:tailEnd/>
               </a14:hiddenLine>
             </a:ext>
-            <a:ext uri="{AF507438-7753-43E0-B8FC-AC1667EBCBE1}">
+            <a:ext uri="{AF507438-7753-43e0-B8FC-AC1667EBCBE1}">
               <a14:hiddenEffects xmlns:a14="http://schemas.microsoft.com/office/drawing/2010/main">
                 <a:effectLst>
                   <a:outerShdw dist="35921" dir="2700000" algn="ctr" rotWithShape="0">
@@ -7743,7 +7739,7 @@
   <p:timing>
     <p:tnLst>
       <p:par>
-        <p:cTn id="1" dur="indefinite" restart="never" nodeType="tmRoot"/>
+        <p:cTn xmlns:p14="http://schemas.microsoft.com/office/powerpoint/2010/main" id="1" dur="indefinite" restart="never" nodeType="tmRoot"/>
       </p:par>
     </p:tnLst>
   </p:timing>
@@ -7886,7 +7882,7 @@
           <a:graphicData uri="http://schemas.openxmlformats.org/presentationml/2006/ole">
             <mc:AlternateContent xmlns:mc="http://schemas.openxmlformats.org/markup-compatibility/2006">
               <mc:Choice xmlns:v="urn:schemas-microsoft-com:vml" Requires="v">
-                <p:oleObj spid="_x0000_s28682" name="Equation" r:id="rId4" imgW="1409400" imgH="507960" progId="Equation.3">
+                <p:oleObj spid="_x0000_s28684" name="Equation" r:id="rId4" imgW="1409400" imgH="507960" progId="Equation.3">
                   <p:embed/>
                 </p:oleObj>
               </mc:Choice>
@@ -7928,14 +7924,14 @@
                       </a:ln>
                       <a:effectLst/>
                       <a:extLst>
-                        <a:ext uri="{909E8E84-426E-40DD-AFC4-6F175D3DCCD1}">
+                        <a:ext uri="{909E8E84-426E-40dd-AFC4-6F175D3DCCD1}">
                           <a14:hiddenFill xmlns:a14="http://schemas.microsoft.com/office/drawing/2010/main">
                             <a:solidFill>
                               <a:srgbClr val="FFFFFF"/>
                             </a:solidFill>
                           </a14:hiddenFill>
                         </a:ext>
-                        <a:ext uri="{91240B29-F687-4F45-9708-019B960494DF}">
+                        <a:ext uri="{91240B29-F687-4f45-9708-019B960494DF}">
                           <a14:hiddenLine xmlns:a14="http://schemas.microsoft.com/office/drawing/2010/main" w="9525">
                             <a:solidFill>
                               <a:srgbClr val="000000"/>
@@ -7945,7 +7941,7 @@
                             <a:tailEnd/>
                           </a14:hiddenLine>
                         </a:ext>
-                        <a:ext uri="{AF507438-7753-43E0-B8FC-AC1667EBCBE1}">
+                        <a:ext uri="{AF507438-7753-43e0-B8FC-AC1667EBCBE1}">
                           <a14:hiddenEffects xmlns:a14="http://schemas.microsoft.com/office/drawing/2010/main">
                             <a:effectLst>
                               <a:outerShdw dist="35921" dir="2700000" algn="ctr" rotWithShape="0">
@@ -7998,14 +7994,14 @@
           </a:ln>
           <a:effectLst/>
           <a:extLst>
-            <a:ext uri="{909E8E84-426E-40DD-AFC4-6F175D3DCCD1}">
+            <a:ext uri="{909E8E84-426E-40dd-AFC4-6F175D3DCCD1}">
               <a14:hiddenFill xmlns:a14="http://schemas.microsoft.com/office/drawing/2010/main">
                 <a:solidFill>
                   <a:schemeClr val="accent1"/>
                 </a:solidFill>
               </a14:hiddenFill>
             </a:ext>
-            <a:ext uri="{91240B29-F687-4F45-9708-019B960494DF}">
+            <a:ext uri="{91240B29-F687-4f45-9708-019B960494DF}">
               <a14:hiddenLine xmlns:a14="http://schemas.microsoft.com/office/drawing/2010/main" w="9525">
                 <a:solidFill>
                   <a:schemeClr val="tx1"/>
@@ -8015,7 +8011,7 @@
                 <a:tailEnd/>
               </a14:hiddenLine>
             </a:ext>
-            <a:ext uri="{AF507438-7753-43E0-B8FC-AC1667EBCBE1}">
+            <a:ext uri="{AF507438-7753-43e0-B8FC-AC1667EBCBE1}">
               <a14:hiddenEffects xmlns:a14="http://schemas.microsoft.com/office/drawing/2010/main">
                 <a:effectLst>
                   <a:outerShdw dist="35921" dir="2700000" algn="ctr" rotWithShape="0">
@@ -8064,7 +8060,7 @@
           </a:ln>
           <a:effectLst/>
           <a:extLst>
-            <a:ext uri="{91240B29-F687-4F45-9708-019B960494DF}">
+            <a:ext uri="{91240B29-F687-4f45-9708-019B960494DF}">
               <a14:hiddenLine xmlns:a14="http://schemas.microsoft.com/office/drawing/2010/main" w="9525">
                 <a:solidFill>
                   <a:schemeClr val="tx1"/>
@@ -8074,7 +8070,7 @@
                 <a:tailEnd/>
               </a14:hiddenLine>
             </a:ext>
-            <a:ext uri="{AF507438-7753-43E0-B8FC-AC1667EBCBE1}">
+            <a:ext uri="{AF507438-7753-43e0-B8FC-AC1667EBCBE1}">
               <a14:hiddenEffects xmlns:a14="http://schemas.microsoft.com/office/drawing/2010/main">
                 <a:effectLst>
                   <a:outerShdw dist="35921" dir="2700000" algn="ctr" rotWithShape="0">
@@ -8099,7 +8095,7 @@
   <p:timing>
     <p:tnLst>
       <p:par>
-        <p:cTn id="1" dur="indefinite" restart="never" nodeType="tmRoot"/>
+        <p:cTn xmlns:p14="http://schemas.microsoft.com/office/powerpoint/2010/main" id="1" dur="indefinite" restart="never" nodeType="tmRoot"/>
       </p:par>
     </p:tnLst>
   </p:timing>
@@ -8223,7 +8219,7 @@
   <p:timing>
     <p:tnLst>
       <p:par>
-        <p:cTn id="1" dur="indefinite" restart="never" nodeType="tmRoot"/>
+        <p:cTn xmlns:p14="http://schemas.microsoft.com/office/powerpoint/2010/main" id="1" dur="indefinite" restart="never" nodeType="tmRoot"/>
       </p:par>
     </p:tnLst>
   </p:timing>
@@ -8264,11 +8260,7 @@
           <a:p>
             <a:r>
               <a:rPr lang="en-US" dirty="0" smtClean="0"/>
-              <a:t>Binomial </a:t>
-            </a:r>
-            <a:r>
-              <a:rPr lang="en-US" dirty="0" smtClean="0"/>
-              <a:t>Probability Distribution Function (PDF)</a:t>
+              <a:t>Binomial Probability Distribution Function (PDF)</a:t>
             </a:r>
             <a:endParaRPr lang="en-US" dirty="0"/>
           </a:p>
@@ -8421,7 +8413,7 @@
           <a:graphicData uri="http://schemas.openxmlformats.org/presentationml/2006/ole">
             <mc:AlternateContent xmlns:mc="http://schemas.openxmlformats.org/markup-compatibility/2006">
               <mc:Choice xmlns:v="urn:schemas-microsoft-com:vml" Requires="v">
-                <p:oleObj spid="_x0000_s30731" name="Equation" r:id="rId3" imgW="2234880" imgH="482400" progId="Equation.3">
+                <p:oleObj spid="_x0000_s30733" name="Equation" r:id="rId3" imgW="2234880" imgH="482400" progId="Equation.3">
                   <p:embed/>
                 </p:oleObj>
               </mc:Choice>
@@ -8479,7 +8471,7 @@
   <p:timing>
     <p:tnLst>
       <p:par>
-        <p:cTn id="1" dur="indefinite" restart="never" nodeType="tmRoot"/>
+        <p:cTn xmlns:p14="http://schemas.microsoft.com/office/powerpoint/2010/main" id="1" dur="indefinite" restart="never" nodeType="tmRoot"/>
       </p:par>
     </p:tnLst>
   </p:timing>
@@ -8522,7 +8514,6 @@
               <a:rPr lang="en-US" dirty="0"/>
               <a:t>Binomial Probability Distribution Function (PDF)</a:t>
             </a:r>
-            <a:endParaRPr lang="en-US" dirty="0"/>
           </a:p>
         </p:txBody>
       </p:sp>
@@ -8543,11 +8534,7 @@
           <a:p>
             <a:r>
               <a:rPr lang="en-US" dirty="0" smtClean="0"/>
-              <a:t>Example: probability of </a:t>
-            </a:r>
-            <a:r>
-              <a:rPr lang="en-US" dirty="0" smtClean="0"/>
-              <a:t>observing any value </a:t>
+              <a:t>Example: probability of observing any value </a:t>
             </a:r>
             <a:r>
               <a:rPr lang="en-US" i="1" dirty="0" smtClean="0"/>
@@ -8559,19 +8546,7 @@
             </a:r>
             <a:r>
               <a:rPr lang="en-US" dirty="0" smtClean="0"/>
-              <a:t>from </a:t>
-            </a:r>
-            <a:r>
-              <a:rPr lang="en-US" dirty="0" smtClean="0"/>
-              <a:t>ten trials (0-10) </a:t>
-            </a:r>
-            <a:r>
-              <a:rPr lang="en-US" dirty="0" smtClean="0"/>
-              <a:t>if the </a:t>
-            </a:r>
-            <a:r>
-              <a:rPr lang="en-US" dirty="0" smtClean="0"/>
-              <a:t>probability of ‘success’ is 20% </a:t>
+              <a:t>from ten trials (0-10) if the probability of ‘success’ is 20% </a:t>
             </a:r>
             <a:endParaRPr lang="en-US" dirty="0"/>
           </a:p>
@@ -8599,7 +8574,7 @@
           <a:graphicData uri="http://schemas.openxmlformats.org/presentationml/2006/ole">
             <mc:AlternateContent xmlns:mc="http://schemas.openxmlformats.org/markup-compatibility/2006">
               <mc:Choice xmlns:v="urn:schemas-microsoft-com:vml" Requires="v">
-                <p:oleObj spid="_x0000_s41997" name="Equation" r:id="rId3" imgW="3670200" imgH="482400" progId="Equation.3">
+                <p:oleObj spid="_x0000_s41999" name="Equation" r:id="rId3" imgW="3670200" imgH="482400" progId="Equation.3">
                   <p:embed/>
                 </p:oleObj>
               </mc:Choice>
@@ -8679,14 +8654,14 @@
             <a:noFill/>
           </a:ln>
           <a:extLst>
-            <a:ext uri="{909E8E84-426E-40DD-AFC4-6F175D3DCCD1}">
+            <a:ext uri="{909E8E84-426E-40dd-AFC4-6F175D3DCCD1}">
               <a14:hiddenFill xmlns:a14="http://schemas.microsoft.com/office/drawing/2010/main">
                 <a:solidFill>
                   <a:srgbClr val="FFFFFF"/>
                 </a:solidFill>
               </a14:hiddenFill>
             </a:ext>
-            <a:ext uri="{91240B29-F687-4F45-9708-019B960494DF}">
+            <a:ext uri="{91240B29-F687-4f45-9708-019B960494DF}">
               <a14:hiddenLine xmlns:a14="http://schemas.microsoft.com/office/drawing/2010/main" w="9525">
                 <a:solidFill>
                   <a:srgbClr val="000000"/>
@@ -8712,7 +8687,7 @@
   <p:timing>
     <p:tnLst>
       <p:par>
-        <p:cTn id="1" dur="indefinite" restart="never" nodeType="tmRoot"/>
+        <p:cTn xmlns:p14="http://schemas.microsoft.com/office/powerpoint/2010/main" id="1" dur="indefinite" restart="never" nodeType="tmRoot"/>
       </p:par>
     </p:tnLst>
   </p:timing>
@@ -8755,7 +8730,6 @@
               <a:rPr lang="en-US" dirty="0"/>
               <a:t>Binomial Probability Distribution Function (PDF)</a:t>
             </a:r>
-            <a:endParaRPr lang="en-US" dirty="0"/>
           </a:p>
         </p:txBody>
       </p:sp>
@@ -8776,11 +8750,7 @@
           <a:p>
             <a:r>
               <a:rPr lang="en-US" dirty="0" smtClean="0"/>
-              <a:t>Example: probability of </a:t>
-            </a:r>
-            <a:r>
-              <a:rPr lang="en-US" dirty="0" smtClean="0"/>
-              <a:t>observing any value </a:t>
+              <a:t>Example: probability of observing any value </a:t>
             </a:r>
             <a:r>
               <a:rPr lang="en-US" i="1" dirty="0" smtClean="0"/>
@@ -8792,19 +8762,7 @@
             </a:r>
             <a:r>
               <a:rPr lang="en-US" dirty="0" smtClean="0"/>
-              <a:t>from </a:t>
-            </a:r>
-            <a:r>
-              <a:rPr lang="en-US" dirty="0" smtClean="0"/>
-              <a:t>ten trials (0-10) </a:t>
-            </a:r>
-            <a:r>
-              <a:rPr lang="en-US" dirty="0" smtClean="0"/>
-              <a:t>if the </a:t>
-            </a:r>
-            <a:r>
-              <a:rPr lang="en-US" dirty="0" smtClean="0"/>
-              <a:t>probability of ‘success’ is 70% </a:t>
+              <a:t>from ten trials (0-10) if the probability of ‘success’ is 70% </a:t>
             </a:r>
             <a:endParaRPr lang="en-US" dirty="0"/>
           </a:p>
@@ -8832,7 +8790,7 @@
           <a:graphicData uri="http://schemas.openxmlformats.org/presentationml/2006/ole">
             <mc:AlternateContent xmlns:mc="http://schemas.openxmlformats.org/markup-compatibility/2006">
               <mc:Choice xmlns:v="urn:schemas-microsoft-com:vml" Requires="v">
-                <p:oleObj spid="_x0000_s43020" name="Equation" r:id="rId3" imgW="3670200" imgH="482400" progId="Equation.3">
+                <p:oleObj spid="_x0000_s43022" name="Equation" r:id="rId3" imgW="3670200" imgH="482400" progId="Equation.3">
                   <p:embed/>
                 </p:oleObj>
               </mc:Choice>
@@ -8912,14 +8870,14 @@
             <a:noFill/>
           </a:ln>
           <a:extLst>
-            <a:ext uri="{909E8E84-426E-40DD-AFC4-6F175D3DCCD1}">
+            <a:ext uri="{909E8E84-426E-40dd-AFC4-6F175D3DCCD1}">
               <a14:hiddenFill xmlns:a14="http://schemas.microsoft.com/office/drawing/2010/main">
                 <a:solidFill>
                   <a:srgbClr val="FFFFFF"/>
                 </a:solidFill>
               </a14:hiddenFill>
             </a:ext>
-            <a:ext uri="{91240B29-F687-4F45-9708-019B960494DF}">
+            <a:ext uri="{91240B29-F687-4f45-9708-019B960494DF}">
               <a14:hiddenLine xmlns:a14="http://schemas.microsoft.com/office/drawing/2010/main" w="9525">
                 <a:solidFill>
                   <a:srgbClr val="000000"/>
@@ -8945,7 +8903,7 @@
   <p:timing>
     <p:tnLst>
       <p:par>
-        <p:cTn id="1" dur="indefinite" restart="never" nodeType="tmRoot"/>
+        <p:cTn xmlns:p14="http://schemas.microsoft.com/office/powerpoint/2010/main" id="1" dur="indefinite" restart="never" nodeType="tmRoot"/>
       </p:par>
     </p:tnLst>
   </p:timing>
@@ -9095,14 +9053,14 @@
             <a:noFill/>
           </a:ln>
           <a:extLst>
-            <a:ext uri="{909E8E84-426E-40DD-AFC4-6F175D3DCCD1}">
+            <a:ext uri="{909E8E84-426E-40dd-AFC4-6F175D3DCCD1}">
               <a14:hiddenFill xmlns:a14="http://schemas.microsoft.com/office/drawing/2010/main">
                 <a:solidFill>
                   <a:srgbClr val="FFFFFF"/>
                 </a:solidFill>
               </a14:hiddenFill>
             </a:ext>
-            <a:ext uri="{91240B29-F687-4F45-9708-019B960494DF}">
+            <a:ext uri="{91240B29-F687-4f45-9708-019B960494DF}">
               <a14:hiddenLine xmlns:a14="http://schemas.microsoft.com/office/drawing/2010/main" w="9525">
                 <a:solidFill>
                   <a:srgbClr val="000000"/>
@@ -9149,14 +9107,14 @@
             <a:noFill/>
           </a:ln>
           <a:extLst>
-            <a:ext uri="{909E8E84-426E-40DD-AFC4-6F175D3DCCD1}">
+            <a:ext uri="{909E8E84-426E-40dd-AFC4-6F175D3DCCD1}">
               <a14:hiddenFill xmlns:a14="http://schemas.microsoft.com/office/drawing/2010/main">
                 <a:solidFill>
                   <a:srgbClr val="FFFFFF"/>
                 </a:solidFill>
               </a14:hiddenFill>
             </a:ext>
-            <a:ext uri="{91240B29-F687-4F45-9708-019B960494DF}">
+            <a:ext uri="{91240B29-F687-4f45-9708-019B960494DF}">
               <a14:hiddenLine xmlns:a14="http://schemas.microsoft.com/office/drawing/2010/main" w="9525">
                 <a:solidFill>
                   <a:srgbClr val="000000"/>
@@ -9182,7 +9140,7 @@
   <p:timing>
     <p:tnLst>
       <p:par>
-        <p:cTn id="1" dur="indefinite" restart="never" nodeType="tmRoot"/>
+        <p:cTn xmlns:p14="http://schemas.microsoft.com/office/powerpoint/2010/main" id="1" dur="indefinite" restart="never" nodeType="tmRoot"/>
       </p:par>
     </p:tnLst>
   </p:timing>
@@ -9336,7 +9294,7 @@
           <a:graphicData uri="http://schemas.openxmlformats.org/presentationml/2006/ole">
             <mc:AlternateContent xmlns:mc="http://schemas.openxmlformats.org/markup-compatibility/2006">
               <mc:Choice xmlns:v="urn:schemas-microsoft-com:vml" Requires="v">
-                <p:oleObj spid="_x0000_s44052" name="Equation" r:id="rId3" imgW="1028520" imgH="253800" progId="Equation.3">
+                <p:oleObj spid="_x0000_s44055" name="Equation" r:id="rId3" imgW="1028520" imgH="253800" progId="Equation.3">
                   <p:embed/>
                 </p:oleObj>
               </mc:Choice>
@@ -9404,7 +9362,7 @@
           <a:graphicData uri="http://schemas.openxmlformats.org/presentationml/2006/ole">
             <mc:AlternateContent xmlns:mc="http://schemas.openxmlformats.org/markup-compatibility/2006">
               <mc:Choice xmlns:v="urn:schemas-microsoft-com:vml" Requires="v">
-                <p:oleObj spid="_x0000_s44053" name="Equation" r:id="rId5" imgW="2145960" imgH="685800" progId="Equation.3">
+                <p:oleObj spid="_x0000_s44056" name="Equation" r:id="rId5" imgW="2145960" imgH="685800" progId="Equation.3">
                   <p:embed/>
                 </p:oleObj>
               </mc:Choice>
@@ -9463,7 +9421,7 @@
   <p:timing>
     <p:tnLst>
       <p:par>
-        <p:cTn id="1" dur="indefinite" restart="never" nodeType="tmRoot"/>
+        <p:cTn xmlns:p14="http://schemas.microsoft.com/office/powerpoint/2010/main" id="1" dur="indefinite" restart="never" nodeType="tmRoot"/>
       </p:par>
     </p:tnLst>
   </p:timing>
@@ -9598,14 +9556,14 @@
             <a:noFill/>
           </a:ln>
           <a:extLst>
-            <a:ext uri="{909E8E84-426E-40DD-AFC4-6F175D3DCCD1}">
+            <a:ext uri="{909E8E84-426E-40dd-AFC4-6F175D3DCCD1}">
               <a14:hiddenFill xmlns:a14="http://schemas.microsoft.com/office/drawing/2010/main">
                 <a:solidFill>
                   <a:srgbClr val="FFFFFF"/>
                 </a:solidFill>
               </a14:hiddenFill>
             </a:ext>
-            <a:ext uri="{91240B29-F687-4F45-9708-019B960494DF}">
+            <a:ext uri="{91240B29-F687-4f45-9708-019B960494DF}">
               <a14:hiddenLine xmlns:a14="http://schemas.microsoft.com/office/drawing/2010/main" w="9525">
                 <a:solidFill>
                   <a:srgbClr val="000000"/>
@@ -9640,7 +9598,7 @@
           <a:graphicData uri="http://schemas.openxmlformats.org/presentationml/2006/ole">
             <mc:AlternateContent xmlns:mc="http://schemas.openxmlformats.org/markup-compatibility/2006">
               <mc:Choice xmlns:v="urn:schemas-microsoft-com:vml" Requires="v">
-                <p:oleObj spid="_x0000_s45064" name="Equation" r:id="rId4" imgW="2145960" imgH="685800" progId="Equation.3">
+                <p:oleObj spid="_x0000_s45066" name="Equation" r:id="rId4" imgW="2145960" imgH="685800" progId="Equation.3">
                   <p:embed/>
                 </p:oleObj>
               </mc:Choice>
@@ -9705,7 +9663,7 @@
   <p:timing>
     <p:tnLst>
       <p:par>
-        <p:cTn id="1" dur="indefinite" restart="never" nodeType="tmRoot"/>
+        <p:cTn xmlns:p14="http://schemas.microsoft.com/office/powerpoint/2010/main" id="1" dur="indefinite" restart="never" nodeType="tmRoot"/>
       </p:par>
     </p:tnLst>
   </p:timing>
@@ -9763,14 +9721,14 @@
             <a:noFill/>
           </a:ln>
           <a:extLst>
-            <a:ext uri="{909E8E84-426E-40DD-AFC4-6F175D3DCCD1}">
+            <a:ext uri="{909E8E84-426E-40dd-AFC4-6F175D3DCCD1}">
               <a14:hiddenFill xmlns:a14="http://schemas.microsoft.com/office/drawing/2010/main">
                 <a:solidFill>
                   <a:srgbClr val="FFFFFF"/>
                 </a:solidFill>
               </a14:hiddenFill>
             </a:ext>
-            <a:ext uri="{91240B29-F687-4F45-9708-019B960494DF}">
+            <a:ext uri="{91240B29-F687-4f45-9708-019B960494DF}">
               <a14:hiddenLine xmlns:a14="http://schemas.microsoft.com/office/drawing/2010/main" w="9525">
                 <a:solidFill>
                   <a:srgbClr val="000000"/>
@@ -9891,7 +9849,7 @@
   <p:timing>
     <p:tnLst>
       <p:par>
-        <p:cTn id="1" dur="indefinite" restart="never" nodeType="tmRoot"/>
+        <p:cTn xmlns:p14="http://schemas.microsoft.com/office/powerpoint/2010/main" id="1" dur="indefinite" restart="never" nodeType="tmRoot"/>
       </p:par>
     </p:tnLst>
   </p:timing>
@@ -9986,7 +9944,7 @@
           <a:graphicData uri="http://schemas.openxmlformats.org/presentationml/2006/ole">
             <mc:AlternateContent xmlns:mc="http://schemas.openxmlformats.org/markup-compatibility/2006">
               <mc:Choice xmlns:v="urn:schemas-microsoft-com:vml" Requires="v">
-                <p:oleObj spid="_x0000_s60430" name="Equation" r:id="rId3" imgW="2692080" imgH="482400" progId="Equation.3">
+                <p:oleObj spid="_x0000_s60433" name="Equation" r:id="rId3" imgW="2692080" imgH="482400" progId="Equation.3">
                   <p:embed/>
                 </p:oleObj>
               </mc:Choice>
@@ -10054,7 +10012,7 @@
           <a:graphicData uri="http://schemas.openxmlformats.org/presentationml/2006/ole">
             <mc:AlternateContent xmlns:mc="http://schemas.openxmlformats.org/markup-compatibility/2006">
               <mc:Choice xmlns:v="urn:schemas-microsoft-com:vml" Requires="v">
-                <p:oleObj spid="_x0000_s60431" name="Equation" r:id="rId5" imgW="2234880" imgH="482400" progId="Equation.3">
+                <p:oleObj spid="_x0000_s60434" name="Equation" r:id="rId5" imgW="2234880" imgH="482400" progId="Equation.3">
                   <p:embed/>
                 </p:oleObj>
               </mc:Choice>
@@ -10112,7 +10070,7 @@
   <p:timing>
     <p:tnLst>
       <p:par>
-        <p:cTn id="1" dur="indefinite" restart="never" nodeType="tmRoot"/>
+        <p:cTn xmlns:p14="http://schemas.microsoft.com/office/powerpoint/2010/main" id="1" dur="indefinite" restart="never" nodeType="tmRoot"/>
       </p:par>
     </p:tnLst>
   </p:timing>
@@ -10232,7 +10190,7 @@
           <a:graphicData uri="http://schemas.openxmlformats.org/presentationml/2006/ole">
             <mc:AlternateContent xmlns:mc="http://schemas.openxmlformats.org/markup-compatibility/2006">
               <mc:Choice xmlns:v="urn:schemas-microsoft-com:vml" Requires="v">
-                <p:oleObj spid="_x0000_s62478" name="Equation" r:id="rId3" imgW="2628720" imgH="482400" progId="Equation.3">
+                <p:oleObj spid="_x0000_s62481" name="Equation" r:id="rId3" imgW="2628720" imgH="482400" progId="Equation.3">
                   <p:embed/>
                 </p:oleObj>
               </mc:Choice>
@@ -10299,7 +10257,7 @@
           <a:graphicData uri="http://schemas.openxmlformats.org/presentationml/2006/ole">
             <mc:AlternateContent xmlns:mc="http://schemas.openxmlformats.org/markup-compatibility/2006">
               <mc:Choice xmlns:v="urn:schemas-microsoft-com:vml" Requires="v">
-                <p:oleObj spid="_x0000_s62479" name="Equation" r:id="rId5" imgW="3568680" imgH="495000" progId="Equation.3">
+                <p:oleObj spid="_x0000_s62482" name="Equation" r:id="rId5" imgW="3568680" imgH="495000" progId="Equation.3">
                   <p:embed/>
                 </p:oleObj>
               </mc:Choice>
@@ -10357,7 +10315,7 @@
   <p:timing>
     <p:tnLst>
       <p:par>
-        <p:cTn id="1" dur="indefinite" restart="never" nodeType="tmRoot"/>
+        <p:cTn xmlns:p14="http://schemas.microsoft.com/office/powerpoint/2010/main" id="1" dur="indefinite" restart="never" nodeType="tmRoot"/>
       </p:par>
     </p:tnLst>
   </p:timing>
@@ -10463,7 +10421,7 @@
           <a:graphicData uri="http://schemas.openxmlformats.org/presentationml/2006/ole">
             <mc:AlternateContent xmlns:mc="http://schemas.openxmlformats.org/markup-compatibility/2006">
               <mc:Choice xmlns:v="urn:schemas-microsoft-com:vml" Requires="v">
-                <p:oleObj spid="_x0000_s29706" name="Equation" r:id="rId4" imgW="2679480" imgH="469800" progId="Equation.3">
+                <p:oleObj spid="_x0000_s29708" name="Equation" r:id="rId4" imgW="2679480" imgH="469800" progId="Equation.3">
                   <p:embed/>
                 </p:oleObj>
               </mc:Choice>
@@ -10505,14 +10463,14 @@
                       </a:ln>
                       <a:effectLst/>
                       <a:extLst>
-                        <a:ext uri="{909E8E84-426E-40DD-AFC4-6F175D3DCCD1}">
+                        <a:ext uri="{909E8E84-426E-40dd-AFC4-6F175D3DCCD1}">
                           <a14:hiddenFill xmlns:a14="http://schemas.microsoft.com/office/drawing/2010/main">
                             <a:solidFill>
                               <a:srgbClr val="FFFFFF"/>
                             </a:solidFill>
                           </a14:hiddenFill>
                         </a:ext>
-                        <a:ext uri="{91240B29-F687-4F45-9708-019B960494DF}">
+                        <a:ext uri="{91240B29-F687-4f45-9708-019B960494DF}">
                           <a14:hiddenLine xmlns:a14="http://schemas.microsoft.com/office/drawing/2010/main" w="9525">
                             <a:solidFill>
                               <a:srgbClr val="000000"/>
@@ -10522,7 +10480,7 @@
                             <a:tailEnd/>
                           </a14:hiddenLine>
                         </a:ext>
-                        <a:ext uri="{AF507438-7753-43E0-B8FC-AC1667EBCBE1}">
+                        <a:ext uri="{AF507438-7753-43e0-B8FC-AC1667EBCBE1}">
                           <a14:hiddenEffects xmlns:a14="http://schemas.microsoft.com/office/drawing/2010/main">
                             <a:effectLst>
                               <a:outerShdw dist="35921" dir="2700000" algn="ctr" rotWithShape="0">
@@ -10577,7 +10535,7 @@
           </a:ln>
           <a:effectLst/>
           <a:extLst>
-            <a:ext uri="{91240B29-F687-4F45-9708-019B960494DF}">
+            <a:ext uri="{91240B29-F687-4f45-9708-019B960494DF}">
               <a14:hiddenLine xmlns:a14="http://schemas.microsoft.com/office/drawing/2010/main" w="9525">
                 <a:solidFill>
                   <a:schemeClr val="tx1"/>
@@ -10587,7 +10545,7 @@
                 <a:tailEnd/>
               </a14:hiddenLine>
             </a:ext>
-            <a:ext uri="{AF507438-7753-43E0-B8FC-AC1667EBCBE1}">
+            <a:ext uri="{AF507438-7753-43e0-B8FC-AC1667EBCBE1}">
               <a14:hiddenEffects xmlns:a14="http://schemas.microsoft.com/office/drawing/2010/main">
                 <a:effectLst>
                   <a:outerShdw dist="35921" dir="2700000" algn="ctr" rotWithShape="0">
@@ -10612,7 +10570,7 @@
   <p:timing>
     <p:tnLst>
       <p:par>
-        <p:cTn id="1" dur="indefinite" restart="never" nodeType="tmRoot"/>
+        <p:cTn xmlns:p14="http://schemas.microsoft.com/office/powerpoint/2010/main" id="1" dur="indefinite" restart="never" nodeType="tmRoot"/>
       </p:par>
     </p:tnLst>
   </p:timing>
@@ -10683,11 +10641,7 @@
           <a:p>
             <a:r>
               <a:rPr lang="en-US" sz="3200" dirty="0" smtClean="0"/>
-              <a:t>Modelling </a:t>
-            </a:r>
-            <a:r>
-              <a:rPr lang="en-US" sz="3200" dirty="0" smtClean="0"/>
-              <a:t>and Modelers</a:t>
+              <a:t>Modelling and Modelers</a:t>
             </a:r>
           </a:p>
           <a:p>
@@ -10730,11 +10684,7 @@
             <a:pPr lvl="1"/>
             <a:r>
               <a:rPr lang="en-US" sz="2800" dirty="0" smtClean="0"/>
-              <a:t>Binomial </a:t>
-            </a:r>
-            <a:r>
-              <a:rPr lang="en-US" sz="2800" dirty="0" smtClean="0"/>
-              <a:t>Likelihood</a:t>
+              <a:t>Binomial Likelihood</a:t>
             </a:r>
           </a:p>
           <a:p>
@@ -10758,16 +10708,11 @@
               <a:rPr lang="en-US" sz="2800" dirty="0" smtClean="0"/>
               <a:t>Other distributions</a:t>
             </a:r>
-            <a:endParaRPr lang="en-US" sz="2800" dirty="0" smtClean="0"/>
           </a:p>
           <a:p>
             <a:r>
               <a:rPr lang="en-US" sz="3200" dirty="0" smtClean="0"/>
-              <a:t>Lab 2 – Mark Recapture </a:t>
-            </a:r>
-            <a:r>
-              <a:rPr lang="en-US" sz="3200" dirty="0" smtClean="0"/>
-              <a:t>Experiment, Length-Weight re-estimation</a:t>
+              <a:t>Lab 2 – Mark Recapture Experiment, Length-Weight re-estimation</a:t>
             </a:r>
             <a:endParaRPr lang="en-US" sz="3200" dirty="0"/>
           </a:p>
@@ -10815,7 +10760,7 @@
   <p:timing>
     <p:tnLst>
       <p:par>
-        <p:cTn id="1" dur="indefinite" restart="never" nodeType="tmRoot"/>
+        <p:cTn xmlns:p14="http://schemas.microsoft.com/office/powerpoint/2010/main" id="1" dur="indefinite" restart="never" nodeType="tmRoot"/>
       </p:par>
     </p:tnLst>
   </p:timing>
@@ -10929,7 +10874,7 @@
           <a:graphicData uri="http://schemas.openxmlformats.org/presentationml/2006/ole">
             <mc:AlternateContent xmlns:mc="http://schemas.openxmlformats.org/markup-compatibility/2006">
               <mc:Choice xmlns:v="urn:schemas-microsoft-com:vml" Requires="v">
-                <p:oleObj spid="_x0000_s61454" name="Equation" r:id="rId3" imgW="2666880" imgH="482400" progId="Equation.3">
+                <p:oleObj spid="_x0000_s61457" name="Equation" r:id="rId3" imgW="2666880" imgH="482400" progId="Equation.3">
                   <p:embed/>
                 </p:oleObj>
               </mc:Choice>
@@ -11003,7 +10948,7 @@
           <a:graphicData uri="http://schemas.openxmlformats.org/presentationml/2006/ole">
             <mc:AlternateContent xmlns:mc="http://schemas.openxmlformats.org/markup-compatibility/2006">
               <mc:Choice xmlns:v="urn:schemas-microsoft-com:vml" Requires="v">
-                <p:oleObj spid="_x0000_s61455" name="Equation" r:id="rId5" imgW="5041800" imgH="253800" progId="Equation.3">
+                <p:oleObj spid="_x0000_s61458" name="Equation" r:id="rId5" imgW="5041800" imgH="253800" progId="Equation.3">
                   <p:embed/>
                 </p:oleObj>
               </mc:Choice>
@@ -11068,7 +11013,7 @@
   <p:timing>
     <p:tnLst>
       <p:par>
-        <p:cTn id="1" dur="indefinite" restart="never" nodeType="tmRoot"/>
+        <p:cTn xmlns:p14="http://schemas.microsoft.com/office/powerpoint/2010/main" id="1" dur="indefinite" restart="never" nodeType="tmRoot"/>
       </p:par>
     </p:tnLst>
   </p:timing>
@@ -11127,7 +11072,7 @@
             <a:tailEnd/>
           </a:ln>
           <a:extLst>
-            <a:ext uri="{909E8E84-426E-40DD-AFC4-6F175D3DCCD1}">
+            <a:ext uri="{909E8E84-426E-40dd-AFC4-6F175D3DCCD1}">
               <a14:hiddenFill xmlns:a14="http://schemas.microsoft.com/office/drawing/2010/main">
                 <a:solidFill>
                   <a:srgbClr val="FFFFFF"/>
@@ -11172,7 +11117,7 @@
             <a:tailEnd/>
           </a:ln>
           <a:extLst>
-            <a:ext uri="{909E8E84-426E-40DD-AFC4-6F175D3DCCD1}">
+            <a:ext uri="{909E8E84-426E-40dd-AFC4-6F175D3DCCD1}">
               <a14:hiddenFill xmlns:a14="http://schemas.microsoft.com/office/drawing/2010/main">
                 <a:solidFill>
                   <a:srgbClr val="FFFFFF"/>
@@ -11249,11 +11194,19 @@
             </a:r>
             <a:r>
               <a:rPr lang="en-US" dirty="0"/>
-              <a:t>example, a survival parameter is estimating the “success” (probability) of not </a:t>
+              <a:t>example, a survival parameter is estimating the “success” (probability) </a:t>
+            </a:r>
+            <a:r>
+              <a:rPr lang="en-US"/>
+              <a:t>of </a:t>
+            </a:r>
+            <a:r>
+              <a:rPr lang="en-US" smtClean="0"/>
+              <a:t>surviving </a:t>
             </a:r>
             <a:r>
               <a:rPr lang="en-US" dirty="0" smtClean="0"/>
-              <a:t>surviving (</a:t>
+              <a:t>(</a:t>
             </a:r>
             <a:r>
               <a:rPr lang="el-GR" i="1" dirty="0" smtClean="0"/>
@@ -11307,7 +11260,7 @@
   <p:timing>
     <p:tnLst>
       <p:par>
-        <p:cTn id="1" dur="indefinite" restart="never" nodeType="tmRoot">
+        <p:cTn xmlns:p14="http://schemas.microsoft.com/office/powerpoint/2010/main" id="1" dur="indefinite" restart="never" nodeType="tmRoot">
           <p:childTnLst>
             <p:seq concurrent="1" nextAc="seek">
               <p:cTn id="2" dur="indefinite" nodeType="mainSeq">
@@ -11475,7 +11428,7 @@
           <a:graphicData uri="http://schemas.openxmlformats.org/presentationml/2006/ole">
             <mc:AlternateContent xmlns:mc="http://schemas.openxmlformats.org/markup-compatibility/2006">
               <mc:Choice xmlns:v="urn:schemas-microsoft-com:vml" Requires="v">
-                <p:oleObj spid="_x0000_s63500" name="Equation" r:id="rId3" imgW="5041800" imgH="253800" progId="Equation.3">
+                <p:oleObj spid="_x0000_s63503" name="Equation" r:id="rId3" imgW="5041800" imgH="253800" progId="Equation.3">
                   <p:embed/>
                 </p:oleObj>
               </mc:Choice>
@@ -11543,7 +11496,7 @@
           <a:graphicData uri="http://schemas.openxmlformats.org/presentationml/2006/ole">
             <mc:AlternateContent xmlns:mc="http://schemas.openxmlformats.org/markup-compatibility/2006">
               <mc:Choice xmlns:v="urn:schemas-microsoft-com:vml" Requires="v">
-                <p:oleObj spid="_x0000_s63501" name="Equation" r:id="rId5" imgW="5663880" imgH="203040" progId="Equation.3">
+                <p:oleObj spid="_x0000_s63504" name="Equation" r:id="rId5" imgW="5663880" imgH="203040" progId="Equation.3">
                   <p:embed/>
                 </p:oleObj>
               </mc:Choice>
@@ -11626,7 +11579,7 @@
   <p:timing>
     <p:tnLst>
       <p:par>
-        <p:cTn id="1" dur="indefinite" restart="never" nodeType="tmRoot"/>
+        <p:cTn xmlns:p14="http://schemas.microsoft.com/office/powerpoint/2010/main" id="1" dur="indefinite" restart="never" nodeType="tmRoot"/>
       </p:par>
     </p:tnLst>
   </p:timing>
@@ -11735,14 +11688,14 @@
             <a:noFill/>
           </a:ln>
           <a:extLst>
-            <a:ext uri="{909E8E84-426E-40DD-AFC4-6F175D3DCCD1}">
+            <a:ext uri="{909E8E84-426E-40dd-AFC4-6F175D3DCCD1}">
               <a14:hiddenFill xmlns:a14="http://schemas.microsoft.com/office/drawing/2010/main">
                 <a:solidFill>
                   <a:srgbClr val="FFFFFF"/>
                 </a:solidFill>
               </a14:hiddenFill>
             </a:ext>
-            <a:ext uri="{91240B29-F687-4F45-9708-019B960494DF}">
+            <a:ext uri="{91240B29-F687-4f45-9708-019B960494DF}">
               <a14:hiddenLine xmlns:a14="http://schemas.microsoft.com/office/drawing/2010/main" w="9525">
                 <a:solidFill>
                   <a:srgbClr val="000000"/>
@@ -11768,7 +11721,7 @@
   <p:timing>
     <p:tnLst>
       <p:par>
-        <p:cTn id="1" dur="indefinite" restart="never" nodeType="tmRoot"/>
+        <p:cTn xmlns:p14="http://schemas.microsoft.com/office/powerpoint/2010/main" id="1" dur="indefinite" restart="never" nodeType="tmRoot"/>
       </p:par>
     </p:tnLst>
   </p:timing>
@@ -11827,7 +11780,7 @@
             <a:tailEnd/>
           </a:ln>
           <a:extLst>
-            <a:ext uri="{909E8E84-426E-40DD-AFC4-6F175D3DCCD1}">
+            <a:ext uri="{909E8E84-426E-40dd-AFC4-6F175D3DCCD1}">
               <a14:hiddenFill xmlns:a14="http://schemas.microsoft.com/office/drawing/2010/main">
                 <a:solidFill>
                   <a:srgbClr val="FFFFFF"/>
@@ -11872,7 +11825,7 @@
             <a:tailEnd/>
           </a:ln>
           <a:extLst>
-            <a:ext uri="{909E8E84-426E-40DD-AFC4-6F175D3DCCD1}">
+            <a:ext uri="{909E8E84-426E-40dd-AFC4-6F175D3DCCD1}">
               <a14:hiddenFill xmlns:a14="http://schemas.microsoft.com/office/drawing/2010/main">
                 <a:solidFill>
                   <a:srgbClr val="FFFFFF"/>
@@ -11973,7 +11926,7 @@
   <p:timing>
     <p:tnLst>
       <p:par>
-        <p:cTn id="1" dur="indefinite" restart="never" nodeType="tmRoot">
+        <p:cTn xmlns:p14="http://schemas.microsoft.com/office/powerpoint/2010/main" id="1" dur="indefinite" restart="never" nodeType="tmRoot">
           <p:childTnLst>
             <p:seq concurrent="1" nextAc="seek">
               <p:cTn id="2" dur="indefinite" nodeType="mainSeq">
@@ -12114,7 +12067,7 @@
               <a:tailEnd/>
             </a:ln>
             <a:extLst>
-              <a:ext uri="{909E8E84-426E-40DD-AFC4-6F175D3DCCD1}">
+              <a:ext uri="{909E8E84-426E-40dd-AFC4-6F175D3DCCD1}">
                 <a14:hiddenFill xmlns:a14="http://schemas.microsoft.com/office/drawing/2010/main">
                   <a:solidFill>
                     <a:srgbClr val="FFFFFF"/>
@@ -12159,7 +12112,7 @@
               <a:tailEnd/>
             </a:ln>
             <a:extLst>
-              <a:ext uri="{909E8E84-426E-40DD-AFC4-6F175D3DCCD1}">
+              <a:ext uri="{909E8E84-426E-40dd-AFC4-6F175D3DCCD1}">
                 <a14:hiddenFill xmlns:a14="http://schemas.microsoft.com/office/drawing/2010/main">
                   <a:solidFill>
                     <a:srgbClr val="FFFFFF"/>
@@ -12240,7 +12193,7 @@
           <a:graphicData uri="http://schemas.openxmlformats.org/presentationml/2006/ole">
             <mc:AlternateContent xmlns:mc="http://schemas.openxmlformats.org/markup-compatibility/2006">
               <mc:Choice xmlns:v="urn:schemas-microsoft-com:vml" Requires="v">
-                <p:oleObj spid="_x0000_s64522" name="Equation" r:id="rId5" imgW="5041800" imgH="253800" progId="Equation.3">
+                <p:oleObj spid="_x0000_s64525" name="Equation" r:id="rId5" imgW="5041800" imgH="253800" progId="Equation.3">
                   <p:embed/>
                 </p:oleObj>
               </mc:Choice>
@@ -12302,7 +12255,7 @@
           <a:graphicData uri="http://schemas.openxmlformats.org/presentationml/2006/ole">
             <mc:AlternateContent xmlns:mc="http://schemas.openxmlformats.org/markup-compatibility/2006">
               <mc:Choice xmlns:v="urn:schemas-microsoft-com:vml" Requires="v">
-                <p:oleObj spid="_x0000_s64523" name="Equation" r:id="rId7" imgW="3962160" imgH="457200" progId="Equation.3">
+                <p:oleObj spid="_x0000_s64526" name="Equation" r:id="rId7" imgW="3962160" imgH="457200" progId="Equation.3">
                   <p:embed/>
                 </p:oleObj>
               </mc:Choice>
@@ -12361,7 +12314,7 @@
   <p:timing>
     <p:tnLst>
       <p:par>
-        <p:cTn id="1" dur="indefinite" restart="never" nodeType="tmRoot"/>
+        <p:cTn xmlns:p14="http://schemas.microsoft.com/office/powerpoint/2010/main" id="1" dur="indefinite" restart="never" nodeType="tmRoot"/>
       </p:par>
     </p:tnLst>
   </p:timing>
@@ -12480,7 +12433,7 @@
           <a:graphicData uri="http://schemas.openxmlformats.org/presentationml/2006/ole">
             <mc:AlternateContent xmlns:mc="http://schemas.openxmlformats.org/markup-compatibility/2006">
               <mc:Choice xmlns:v="urn:schemas-microsoft-com:vml" Requires="v">
-                <p:oleObj spid="_x0000_s46087" name="Equation" r:id="rId3" imgW="1066680" imgH="241200" progId="Equation.3">
+                <p:oleObj spid="_x0000_s46089" name="Equation" r:id="rId3" imgW="1066680" imgH="241200" progId="Equation.3">
                   <p:embed/>
                 </p:oleObj>
               </mc:Choice>
@@ -12593,7 +12546,7 @@
   <p:timing>
     <p:tnLst>
       <p:par>
-        <p:cTn id="1" dur="indefinite" restart="never" nodeType="tmRoot"/>
+        <p:cTn xmlns:p14="http://schemas.microsoft.com/office/powerpoint/2010/main" id="1" dur="indefinite" restart="never" nodeType="tmRoot"/>
       </p:par>
     </p:tnLst>
   </p:timing>
@@ -12710,7 +12663,7 @@
           <a:graphicData uri="http://schemas.openxmlformats.org/presentationml/2006/ole">
             <mc:AlternateContent xmlns:mc="http://schemas.openxmlformats.org/markup-compatibility/2006">
               <mc:Choice xmlns:v="urn:schemas-microsoft-com:vml" Requires="v">
-                <p:oleObj spid="_x0000_s47114" name="Equation" r:id="rId3" imgW="1409400" imgH="482400" progId="Equation.3">
+                <p:oleObj spid="_x0000_s47116" name="Equation" r:id="rId3" imgW="1409400" imgH="482400" progId="Equation.3">
                   <p:embed/>
                 </p:oleObj>
               </mc:Choice>
@@ -12785,7 +12738,7 @@
           </a:prstGeom>
           <a:noFill/>
           <a:extLst>
-            <a:ext uri="{909E8E84-426E-40DD-AFC4-6F175D3DCCD1}">
+            <a:ext uri="{909E8E84-426E-40dd-AFC4-6F175D3DCCD1}">
               <a14:hiddenFill xmlns:a14="http://schemas.microsoft.com/office/drawing/2010/main">
                 <a:solidFill>
                   <a:srgbClr val="FFFFFF"/>
@@ -12868,7 +12821,7 @@
   <p:timing>
     <p:tnLst>
       <p:par>
-        <p:cTn id="1" dur="indefinite" restart="never" nodeType="tmRoot"/>
+        <p:cTn xmlns:p14="http://schemas.microsoft.com/office/powerpoint/2010/main" id="1" dur="indefinite" restart="never" nodeType="tmRoot"/>
       </p:par>
     </p:tnLst>
   </p:timing>
@@ -12987,7 +12940,7 @@
           <a:graphicData uri="http://schemas.openxmlformats.org/presentationml/2006/ole">
             <mc:AlternateContent xmlns:mc="http://schemas.openxmlformats.org/markup-compatibility/2006">
               <mc:Choice xmlns:v="urn:schemas-microsoft-com:vml" Requires="v">
-                <p:oleObj spid="_x0000_s49159" name="Equation" r:id="rId3" imgW="3606480" imgH="457200" progId="Equation.3">
+                <p:oleObj spid="_x0000_s49161" name="Equation" r:id="rId3" imgW="3606480" imgH="457200" progId="Equation.3">
                   <p:embed/>
                 </p:oleObj>
               </mc:Choice>
@@ -13052,7 +13005,7 @@
   <p:timing>
     <p:tnLst>
       <p:par>
-        <p:cTn id="1" dur="indefinite" restart="never" nodeType="tmRoot"/>
+        <p:cTn xmlns:p14="http://schemas.microsoft.com/office/powerpoint/2010/main" id="1" dur="indefinite" restart="never" nodeType="tmRoot"/>
       </p:par>
     </p:tnLst>
   </p:timing>
@@ -13194,7 +13147,7 @@
           <a:graphicData uri="http://schemas.openxmlformats.org/presentationml/2006/ole">
             <mc:AlternateContent xmlns:mc="http://schemas.openxmlformats.org/markup-compatibility/2006">
               <mc:Choice xmlns:v="urn:schemas-microsoft-com:vml" Requires="v">
-                <p:oleObj spid="_x0000_s50199" name="Equation" r:id="rId3" imgW="3606480" imgH="457200" progId="Equation.3">
+                <p:oleObj spid="_x0000_s50203" name="Equation" r:id="rId3" imgW="3606480" imgH="457200" progId="Equation.3">
                   <p:embed/>
                 </p:oleObj>
               </mc:Choice>
@@ -13268,7 +13221,7 @@
           <a:graphicData uri="http://schemas.openxmlformats.org/presentationml/2006/ole">
             <mc:AlternateContent xmlns:mc="http://schemas.openxmlformats.org/markup-compatibility/2006">
               <mc:Choice xmlns:v="urn:schemas-microsoft-com:vml" Requires="v">
-                <p:oleObj spid="_x0000_s50200" name="Equation" r:id="rId5" imgW="3301920" imgH="393480" progId="Equation.3">
+                <p:oleObj spid="_x0000_s50204" name="Equation" r:id="rId5" imgW="3301920" imgH="393480" progId="Equation.3">
                   <p:embed/>
                 </p:oleObj>
               </mc:Choice>
@@ -13342,7 +13295,7 @@
           <a:graphicData uri="http://schemas.openxmlformats.org/presentationml/2006/ole">
             <mc:AlternateContent xmlns:mc="http://schemas.openxmlformats.org/markup-compatibility/2006">
               <mc:Choice xmlns:v="urn:schemas-microsoft-com:vml" Requires="v">
-                <p:oleObj spid="_x0000_s50201" name="Equation" r:id="rId7" imgW="3288960" imgH="393480" progId="Equation.3">
+                <p:oleObj spid="_x0000_s50205" name="Equation" r:id="rId7" imgW="3288960" imgH="393480" progId="Equation.3">
                   <p:embed/>
                 </p:oleObj>
               </mc:Choice>
@@ -13407,7 +13360,7 @@
   <p:timing>
     <p:tnLst>
       <p:par>
-        <p:cTn id="1" dur="indefinite" restart="never" nodeType="tmRoot"/>
+        <p:cTn xmlns:p14="http://schemas.microsoft.com/office/powerpoint/2010/main" id="1" dur="indefinite" restart="never" nodeType="tmRoot"/>
       </p:par>
     </p:tnLst>
   </p:timing>
@@ -13492,11 +13445,7 @@
             <a:pPr lvl="1"/>
             <a:r>
               <a:rPr lang="en-US" dirty="0" smtClean="0"/>
-              <a:t>Models </a:t>
-            </a:r>
-            <a:r>
-              <a:rPr lang="en-US" dirty="0" smtClean="0"/>
-              <a:t>are applied using software has been debugged and verified through beta-testing and quality control, and refined through user feedback, usually applying current conventions on ‘best practices.’</a:t>
+              <a:t>Models are applied using software has been debugged and verified through beta-testing and quality control, and refined through user feedback, usually applying current conventions on ‘best practices.’</a:t>
             </a:r>
           </a:p>
           <a:p>
@@ -13543,11 +13492,7 @@
             <a:pPr lvl="1"/>
             <a:r>
               <a:rPr lang="en-US" dirty="0" smtClean="0"/>
-              <a:t>Code testing and </a:t>
-            </a:r>
-            <a:r>
-              <a:rPr lang="en-US" dirty="0" smtClean="0"/>
-              <a:t>model validation may be incomplete for application to specific problems.</a:t>
+              <a:t>Code testing and model validation may be incomplete for application to specific problems.</a:t>
             </a:r>
             <a:endParaRPr lang="en-US" dirty="0"/>
           </a:p>
@@ -13566,7 +13511,7 @@
   <p:timing>
     <p:tnLst>
       <p:par>
-        <p:cTn id="1" dur="indefinite" restart="never" nodeType="tmRoot"/>
+        <p:cTn xmlns:p14="http://schemas.microsoft.com/office/powerpoint/2010/main" id="1" dur="indefinite" restart="never" nodeType="tmRoot"/>
       </p:par>
     </p:tnLst>
   </p:timing>
@@ -13659,7 +13604,7 @@
           <a:graphicData uri="http://schemas.openxmlformats.org/presentationml/2006/ole">
             <mc:AlternateContent xmlns:mc="http://schemas.openxmlformats.org/markup-compatibility/2006">
               <mc:Choice xmlns:v="urn:schemas-microsoft-com:vml" Requires="v">
-                <p:oleObj spid="_x0000_s57351" name="Equation" r:id="rId4" imgW="3288960" imgH="393480" progId="Equation.3">
+                <p:oleObj spid="_x0000_s57353" name="Equation" r:id="rId4" imgW="3288960" imgH="393480" progId="Equation.3">
                   <p:embed/>
                 </p:oleObj>
               </mc:Choice>
@@ -13761,7 +13706,7 @@
             <a:tailEnd/>
           </a:ln>
           <a:extLst>
-            <a:ext uri="{909E8E84-426E-40DD-AFC4-6F175D3DCCD1}">
+            <a:ext uri="{909E8E84-426E-40dd-AFC4-6F175D3DCCD1}">
               <a14:hiddenFill xmlns:a14="http://schemas.microsoft.com/office/drawing/2010/main">
                 <a:solidFill>
                   <a:srgbClr val="FFFFFF"/>
@@ -13930,7 +13875,7 @@
   <p:timing>
     <p:tnLst>
       <p:par>
-        <p:cTn id="1" dur="indefinite" restart="never" nodeType="tmRoot"/>
+        <p:cTn xmlns:p14="http://schemas.microsoft.com/office/powerpoint/2010/main" id="1" dur="indefinite" restart="never" nodeType="tmRoot"/>
       </p:par>
     </p:tnLst>
   </p:timing>
@@ -14034,14 +13979,14 @@
             <a:noFill/>
           </a:ln>
           <a:extLst>
-            <a:ext uri="{909E8E84-426E-40DD-AFC4-6F175D3DCCD1}">
+            <a:ext uri="{909E8E84-426E-40dd-AFC4-6F175D3DCCD1}">
               <a14:hiddenFill xmlns:a14="http://schemas.microsoft.com/office/drawing/2010/main">
                 <a:solidFill>
                   <a:srgbClr val="FFFFFF"/>
                 </a:solidFill>
               </a14:hiddenFill>
             </a:ext>
-            <a:ext uri="{91240B29-F687-4F45-9708-019B960494DF}">
+            <a:ext uri="{91240B29-F687-4f45-9708-019B960494DF}">
               <a14:hiddenLine xmlns:a14="http://schemas.microsoft.com/office/drawing/2010/main" w="9525">
                 <a:solidFill>
                   <a:srgbClr val="000000"/>
@@ -14067,7 +14012,7 @@
   <p:timing>
     <p:tnLst>
       <p:par>
-        <p:cTn id="1" dur="indefinite" restart="never" nodeType="tmRoot"/>
+        <p:cTn xmlns:p14="http://schemas.microsoft.com/office/powerpoint/2010/main" id="1" dur="indefinite" restart="never" nodeType="tmRoot"/>
       </p:par>
     </p:tnLst>
   </p:timing>
@@ -14206,7 +14151,7 @@
           <a:graphicData uri="http://schemas.openxmlformats.org/presentationml/2006/ole">
             <mc:AlternateContent xmlns:mc="http://schemas.openxmlformats.org/markup-compatibility/2006">
               <mc:Choice xmlns:v="urn:schemas-microsoft-com:vml" Requires="v">
-                <p:oleObj spid="_x0000_s65553" name="Equation" r:id="rId3" imgW="1384200" imgH="482400" progId="Equation.3">
+                <p:oleObj spid="_x0000_s65559" name="Equation" r:id="rId3" imgW="1384200" imgH="482400" progId="Equation.3">
                   <p:embed/>
                 </p:oleObj>
               </mc:Choice>
@@ -14274,7 +14219,7 @@
           <a:graphicData uri="http://schemas.openxmlformats.org/presentationml/2006/ole">
             <mc:AlternateContent xmlns:mc="http://schemas.openxmlformats.org/markup-compatibility/2006">
               <mc:Choice xmlns:v="urn:schemas-microsoft-com:vml" Requires="v">
-                <p:oleObj spid="_x0000_s65554" name="Equation" r:id="rId5" imgW="838080" imgH="457200" progId="Equation.3">
+                <p:oleObj spid="_x0000_s65560" name="Equation" r:id="rId5" imgW="838080" imgH="457200" progId="Equation.3">
                   <p:embed/>
                 </p:oleObj>
               </mc:Choice>
@@ -14342,7 +14287,7 @@
           <a:graphicData uri="http://schemas.openxmlformats.org/presentationml/2006/ole">
             <mc:AlternateContent xmlns:mc="http://schemas.openxmlformats.org/markup-compatibility/2006">
               <mc:Choice xmlns:v="urn:schemas-microsoft-com:vml" Requires="v">
-                <p:oleObj spid="_x0000_s65555" name="Equation" r:id="rId7" imgW="2666880" imgH="482400" progId="Equation.3">
+                <p:oleObj spid="_x0000_s65561" name="Equation" r:id="rId7" imgW="2666880" imgH="482400" progId="Equation.3">
                   <p:embed/>
                 </p:oleObj>
               </mc:Choice>
@@ -14410,7 +14355,7 @@
           <a:graphicData uri="http://schemas.openxmlformats.org/presentationml/2006/ole">
             <mc:AlternateContent xmlns:mc="http://schemas.openxmlformats.org/markup-compatibility/2006">
               <mc:Choice xmlns:v="urn:schemas-microsoft-com:vml" Requires="v">
-                <p:oleObj spid="_x0000_s65556" name="Equation" r:id="rId9" imgW="1600200" imgH="482400" progId="Equation.3">
+                <p:oleObj spid="_x0000_s65562" name="Equation" r:id="rId9" imgW="1600200" imgH="482400" progId="Equation.3">
                   <p:embed/>
                 </p:oleObj>
               </mc:Choice>
@@ -14478,7 +14423,7 @@
           <a:graphicData uri="http://schemas.openxmlformats.org/presentationml/2006/ole">
             <mc:AlternateContent xmlns:mc="http://schemas.openxmlformats.org/markup-compatibility/2006">
               <mc:Choice xmlns:v="urn:schemas-microsoft-com:vml" Requires="v">
-                <p:oleObj spid="_x0000_s65557" name="Equation" r:id="rId11" imgW="2197080" imgH="482400" progId="Equation.3">
+                <p:oleObj spid="_x0000_s65563" name="Equation" r:id="rId11" imgW="2197080" imgH="482400" progId="Equation.3">
                   <p:embed/>
                 </p:oleObj>
               </mc:Choice>
@@ -14537,7 +14482,7 @@
   <p:timing>
     <p:tnLst>
       <p:par>
-        <p:cTn id="1" dur="indefinite" restart="never" nodeType="tmRoot"/>
+        <p:cTn xmlns:p14="http://schemas.microsoft.com/office/powerpoint/2010/main" id="1" dur="indefinite" restart="never" nodeType="tmRoot"/>
       </p:par>
     </p:tnLst>
   </p:timing>
@@ -14640,11 +14585,7 @@
           <a:p>
             <a:r>
               <a:rPr lang="en-US" dirty="0" smtClean="0"/>
-              <a:t>Linear models (regression, mark-recapture) don’t require advanced numerical searches, but more advanced population models do. </a:t>
-            </a:r>
-            <a:r>
-              <a:rPr lang="en-US" dirty="0" smtClean="0"/>
-              <a:t> </a:t>
+              <a:t>Linear models (regression, mark-recapture) don’t require advanced numerical searches, but more advanced population models do.  </a:t>
             </a:r>
             <a:endParaRPr lang="en-US" dirty="0"/>
           </a:p>
@@ -14663,7 +14604,7 @@
   <p:timing>
     <p:tnLst>
       <p:par>
-        <p:cTn id="1" dur="indefinite" restart="never" nodeType="tmRoot"/>
+        <p:cTn xmlns:p14="http://schemas.microsoft.com/office/powerpoint/2010/main" id="1" dur="indefinite" restart="never" nodeType="tmRoot"/>
       </p:par>
     </p:tnLst>
   </p:timing>
@@ -14797,7 +14738,7 @@
   <p:timing>
     <p:tnLst>
       <p:par>
-        <p:cTn id="1" dur="indefinite" restart="never" nodeType="tmRoot"/>
+        <p:cTn xmlns:p14="http://schemas.microsoft.com/office/powerpoint/2010/main" id="1" dur="indefinite" restart="never" nodeType="tmRoot"/>
       </p:par>
     </p:tnLst>
   </p:timing>
@@ -14846,7 +14787,6 @@
               <a:rPr lang="en-US" altLang="en-US" dirty="0" smtClean="0"/>
               <a:t>NOAA Fisheries Toolbox </a:t>
             </a:r>
-            <a:endParaRPr lang="en-US" altLang="en-US" dirty="0" smtClean="0"/>
           </a:p>
         </p:txBody>
       </p:sp>
@@ -14973,14 +14913,14 @@
             <a:noFill/>
           </a:ln>
           <a:extLst>
-            <a:ext uri="{909E8E84-426E-40DD-AFC4-6F175D3DCCD1}">
+            <a:ext uri="{909E8E84-426E-40dd-AFC4-6F175D3DCCD1}">
               <a14:hiddenFill xmlns:a14="http://schemas.microsoft.com/office/drawing/2010/main">
                 <a:solidFill>
                   <a:srgbClr val="FFFFFF"/>
                 </a:solidFill>
               </a14:hiddenFill>
             </a:ext>
-            <a:ext uri="{91240B29-F687-4F45-9708-019B960494DF}">
+            <a:ext uri="{91240B29-F687-4f45-9708-019B960494DF}">
               <a14:hiddenLine xmlns:a14="http://schemas.microsoft.com/office/drawing/2010/main" w="9525">
                 <a:solidFill>
                   <a:srgbClr val="000000"/>
@@ -15006,7 +14946,7 @@
   <p:timing>
     <p:tnLst>
       <p:par>
-        <p:cTn id="1" dur="indefinite" restart="never" nodeType="tmRoot"/>
+        <p:cTn xmlns:p14="http://schemas.microsoft.com/office/powerpoint/2010/main" id="1" dur="indefinite" restart="never" nodeType="tmRoot"/>
       </p:par>
     </p:tnLst>
   </p:timing>
@@ -15064,14 +15004,14 @@
             <a:noFill/>
           </a:ln>
           <a:extLst>
-            <a:ext uri="{909E8E84-426E-40DD-AFC4-6F175D3DCCD1}">
+            <a:ext uri="{909E8E84-426E-40dd-AFC4-6F175D3DCCD1}">
               <a14:hiddenFill xmlns:a14="http://schemas.microsoft.com/office/drawing/2010/main">
                 <a:solidFill>
                   <a:srgbClr val="FFFFFF"/>
                 </a:solidFill>
               </a14:hiddenFill>
             </a:ext>
-            <a:ext uri="{91240B29-F687-4F45-9708-019B960494DF}">
+            <a:ext uri="{91240B29-F687-4f45-9708-019B960494DF}">
               <a14:hiddenLine xmlns:a14="http://schemas.microsoft.com/office/drawing/2010/main" w="9525">
                 <a:solidFill>
                   <a:srgbClr val="000000"/>
@@ -15097,7 +15037,7 @@
   <p:timing>
     <p:tnLst>
       <p:par>
-        <p:cTn id="1" dur="indefinite" restart="never" nodeType="tmRoot"/>
+        <p:cTn xmlns:p14="http://schemas.microsoft.com/office/powerpoint/2010/main" id="1" dur="indefinite" restart="never" nodeType="tmRoot"/>
       </p:par>
     </p:tnLst>
   </p:timing>
@@ -15206,14 +15146,14 @@
             <a:noFill/>
           </a:ln>
           <a:extLst>
-            <a:ext uri="{909E8E84-426E-40DD-AFC4-6F175D3DCCD1}">
+            <a:ext uri="{909E8E84-426E-40dd-AFC4-6F175D3DCCD1}">
               <a14:hiddenFill xmlns:a14="http://schemas.microsoft.com/office/drawing/2010/main">
                 <a:solidFill>
                   <a:srgbClr val="FFFFFF"/>
                 </a:solidFill>
               </a14:hiddenFill>
             </a:ext>
-            <a:ext uri="{91240B29-F687-4F45-9708-019B960494DF}">
+            <a:ext uri="{91240B29-F687-4f45-9708-019B960494DF}">
               <a14:hiddenLine xmlns:a14="http://schemas.microsoft.com/office/drawing/2010/main" w="9525">
                 <a:solidFill>
                   <a:srgbClr val="000000"/>
@@ -15260,14 +15200,14 @@
             <a:noFill/>
           </a:ln>
           <a:extLst>
-            <a:ext uri="{909E8E84-426E-40DD-AFC4-6F175D3DCCD1}">
+            <a:ext uri="{909E8E84-426E-40dd-AFC4-6F175D3DCCD1}">
               <a14:hiddenFill xmlns:a14="http://schemas.microsoft.com/office/drawing/2010/main">
                 <a:solidFill>
                   <a:srgbClr val="FFFFFF"/>
                 </a:solidFill>
               </a14:hiddenFill>
             </a:ext>
-            <a:ext uri="{91240B29-F687-4F45-9708-019B960494DF}">
+            <a:ext uri="{91240B29-F687-4f45-9708-019B960494DF}">
               <a14:hiddenLine xmlns:a14="http://schemas.microsoft.com/office/drawing/2010/main" w="9525">
                 <a:solidFill>
                   <a:srgbClr val="000000"/>
@@ -15314,14 +15254,14 @@
             <a:noFill/>
           </a:ln>
           <a:extLst>
-            <a:ext uri="{909E8E84-426E-40DD-AFC4-6F175D3DCCD1}">
+            <a:ext uri="{909E8E84-426E-40dd-AFC4-6F175D3DCCD1}">
               <a14:hiddenFill xmlns:a14="http://schemas.microsoft.com/office/drawing/2010/main">
                 <a:solidFill>
                   <a:srgbClr val="FFFFFF"/>
                 </a:solidFill>
               </a14:hiddenFill>
             </a:ext>
-            <a:ext uri="{91240B29-F687-4F45-9708-019B960494DF}">
+            <a:ext uri="{91240B29-F687-4f45-9708-019B960494DF}">
               <a14:hiddenLine xmlns:a14="http://schemas.microsoft.com/office/drawing/2010/main" w="9525">
                 <a:solidFill>
                   <a:srgbClr val="000000"/>
@@ -15347,7 +15287,7 @@
   <p:timing>
     <p:tnLst>
       <p:par>
-        <p:cTn id="1" dur="indefinite" restart="never" nodeType="tmRoot"/>
+        <p:cTn xmlns:p14="http://schemas.microsoft.com/office/powerpoint/2010/main" id="1" dur="indefinite" restart="never" nodeType="tmRoot"/>
       </p:par>
     </p:tnLst>
   </p:timing>
@@ -15456,14 +15396,14 @@
             <a:noFill/>
           </a:ln>
           <a:extLst>
-            <a:ext uri="{909E8E84-426E-40DD-AFC4-6F175D3DCCD1}">
+            <a:ext uri="{909E8E84-426E-40dd-AFC4-6F175D3DCCD1}">
               <a14:hiddenFill xmlns:a14="http://schemas.microsoft.com/office/drawing/2010/main">
                 <a:solidFill>
                   <a:srgbClr val="FFFFFF"/>
                 </a:solidFill>
               </a14:hiddenFill>
             </a:ext>
-            <a:ext uri="{91240B29-F687-4F45-9708-019B960494DF}">
+            <a:ext uri="{91240B29-F687-4f45-9708-019B960494DF}">
               <a14:hiddenLine xmlns:a14="http://schemas.microsoft.com/office/drawing/2010/main" w="9525">
                 <a:solidFill>
                   <a:srgbClr val="000000"/>
@@ -15510,14 +15450,14 @@
             <a:noFill/>
           </a:ln>
           <a:extLst>
-            <a:ext uri="{909E8E84-426E-40DD-AFC4-6F175D3DCCD1}">
+            <a:ext uri="{909E8E84-426E-40dd-AFC4-6F175D3DCCD1}">
               <a14:hiddenFill xmlns:a14="http://schemas.microsoft.com/office/drawing/2010/main">
                 <a:solidFill>
                   <a:srgbClr val="FFFFFF"/>
                 </a:solidFill>
               </a14:hiddenFill>
             </a:ext>
-            <a:ext uri="{91240B29-F687-4F45-9708-019B960494DF}">
+            <a:ext uri="{91240B29-F687-4f45-9708-019B960494DF}">
               <a14:hiddenLine xmlns:a14="http://schemas.microsoft.com/office/drawing/2010/main" w="9525">
                 <a:solidFill>
                   <a:srgbClr val="000000"/>
@@ -15543,7 +15483,7 @@
   <p:timing>
     <p:tnLst>
       <p:par>
-        <p:cTn id="1" dur="indefinite" restart="never" nodeType="tmRoot"/>
+        <p:cTn xmlns:p14="http://schemas.microsoft.com/office/powerpoint/2010/main" id="1" dur="indefinite" restart="never" nodeType="tmRoot"/>
       </p:par>
     </p:tnLst>
   </p:timing>
@@ -15700,7 +15640,7 @@
           </a:prstGeom>
           <a:noFill/>
           <a:extLst>
-            <a:ext uri="{909E8E84-426E-40DD-AFC4-6F175D3DCCD1}">
+            <a:ext uri="{909E8E84-426E-40dd-AFC4-6F175D3DCCD1}">
               <a14:hiddenFill xmlns:a14="http://schemas.microsoft.com/office/drawing/2010/main">
                 <a:solidFill>
                   <a:srgbClr val="FFFFFF"/>
@@ -15747,7 +15687,7 @@
   <p:timing>
     <p:tnLst>
       <p:par>
-        <p:cTn id="1" dur="indefinite" restart="never" nodeType="tmRoot"/>
+        <p:cTn xmlns:p14="http://schemas.microsoft.com/office/powerpoint/2010/main" id="1" dur="indefinite" restart="never" nodeType="tmRoot"/>
       </p:par>
     </p:tnLst>
   </p:timing>
@@ -15797,7 +15737,7 @@
     </a:clrScheme>
     <a:fontScheme name="Office">
       <a:majorFont>
-        <a:latin typeface="Calibri Light" panose="020F0302020204030204"/>
+        <a:latin typeface="Calibri Light"/>
         <a:ea typeface=""/>
         <a:cs typeface=""/>
         <a:font script="Jpan" typeface="ＭＳ Ｐゴシック"/>
@@ -15832,7 +15772,7 @@
         <a:font script="Geor" typeface="Sylfaen"/>
       </a:majorFont>
       <a:minorFont>
-        <a:latin typeface="Calibri" panose="020F0502020204030204"/>
+        <a:latin typeface="Calibri"/>
         <a:ea typeface=""/>
         <a:cs typeface=""/>
         <a:font script="Jpan" typeface="ＭＳ Ｐゴシック"/>
@@ -16009,7 +15949,7 @@
   <a:extraClrSchemeLst/>
   <a:extLst>
     <a:ext uri="{05A4C25C-085E-4340-85A3-A5531E510DB2}">
-      <thm15:themeFamily xmlns:thm15="http://schemas.microsoft.com/office/thememl/2012/main" name="Office Theme" id="{62F939B6-93AF-4DB8-9C6B-D6C7DFDC589F}" vid="{4A3C46E8-61CC-4603-A589-7422A47A8E4A}"/>
+      <thm15:themeFamily xmlns:thm15="http://schemas.microsoft.com/office/thememl/2012/main" xmlns="" name="Office Theme" id="{62F939B6-93AF-4DB8-9C6B-D6C7DFDC589F}" vid="{4A3C46E8-61CC-4603-A589-7422A47A8E4A}"/>
     </a:ext>
   </a:extLst>
 </a:theme>
@@ -16058,7 +15998,7 @@
     </a:clrScheme>
     <a:fontScheme name="Office">
       <a:majorFont>
-        <a:latin typeface="Calibri Light" panose="020F0302020204030204"/>
+        <a:latin typeface="Calibri Light"/>
         <a:ea typeface=""/>
         <a:cs typeface=""/>
         <a:font script="Jpan" typeface="ＭＳ Ｐゴシック"/>
@@ -16093,7 +16033,7 @@
         <a:font script="Geor" typeface="Sylfaen"/>
       </a:majorFont>
       <a:minorFont>
-        <a:latin typeface="Calibri" panose="020F0502020204030204"/>
+        <a:latin typeface="Calibri"/>
         <a:ea typeface=""/>
         <a:cs typeface=""/>
         <a:font script="Jpan" typeface="ＭＳ Ｐゴシック"/>
@@ -16270,7 +16210,7 @@
   <a:extraClrSchemeLst/>
   <a:extLst>
     <a:ext uri="{05A4C25C-085E-4340-85A3-A5531E510DB2}">
-      <thm15:themeFamily xmlns:thm15="http://schemas.microsoft.com/office/thememl/2012/main" name="Office Theme" id="{62F939B6-93AF-4DB8-9C6B-D6C7DFDC589F}" vid="{4A3C46E8-61CC-4603-A589-7422A47A8E4A}"/>
+      <thm15:themeFamily xmlns:thm15="http://schemas.microsoft.com/office/thememl/2012/main" xmlns="" name="Office Theme" id="{62F939B6-93AF-4DB8-9C6B-D6C7DFDC589F}" vid="{4A3C46E8-61CC-4603-A589-7422A47A8E4A}"/>
     </a:ext>
   </a:extLst>
 </a:theme>
